--- a/ScreenTale/Projektmanagement/Zwischenpräsentation_14_12_2023.pptx
+++ b/ScreenTale/Projektmanagement/Zwischenpräsentation_14_12_2023.pptx
@@ -7,12 +7,13 @@
   <p:sldIdLst>
     <p:sldId id="256" r:id="rId2"/>
     <p:sldId id="257" r:id="rId3"/>
-    <p:sldId id="258" r:id="rId4"/>
-    <p:sldId id="259" r:id="rId5"/>
-    <p:sldId id="260" r:id="rId6"/>
-    <p:sldId id="261" r:id="rId7"/>
-    <p:sldId id="262" r:id="rId8"/>
-    <p:sldId id="263" r:id="rId9"/>
+    <p:sldId id="264" r:id="rId4"/>
+    <p:sldId id="258" r:id="rId5"/>
+    <p:sldId id="259" r:id="rId6"/>
+    <p:sldId id="260" r:id="rId7"/>
+    <p:sldId id="261" r:id="rId8"/>
+    <p:sldId id="262" r:id="rId9"/>
+    <p:sldId id="263" r:id="rId10"/>
   </p:sldIdLst>
   <p:sldSz cx="12192000" cy="6858000"/>
   <p:notesSz cx="6858000" cy="9144000"/>
@@ -111,6 +112,11 @@
       </a:defRPr>
     </a:lvl9pPr>
   </p:defaultTextStyle>
+  <p:extLst>
+    <p:ext uri="{EFAFB233-063F-42B5-8137-9DF3F51BA10A}">
+      <p15:sldGuideLst xmlns:p15="http://schemas.microsoft.com/office/powerpoint/2012/main"/>
+    </p:ext>
+  </p:extLst>
 </p:presentation>
 </file>
 
@@ -4505,6 +4511,12 @@
           <a:p>
             <a:r>
               <a:rPr lang="de-DE" dirty="0"/>
+              <a:t>Projektteam</a:t>
+            </a:r>
+          </a:p>
+          <a:p>
+            <a:r>
+              <a:rPr lang="de-DE" dirty="0"/>
               <a:t>Projektidee</a:t>
             </a:r>
           </a:p>
@@ -4530,6 +4542,12 @@
             <a:r>
               <a:rPr lang="de-DE" dirty="0"/>
               <a:t>Nächste Schritte</a:t>
+            </a:r>
+          </a:p>
+          <a:p>
+            <a:r>
+              <a:rPr lang="de-DE" dirty="0"/>
+              <a:t>(Eventuell Zeitplan)</a:t>
             </a:r>
           </a:p>
         </p:txBody>
@@ -4569,7 +4587,7 @@
           <p:cNvPr id="2" name="Titel 1">
             <a:extLst>
               <a:ext uri="{FF2B5EF4-FFF2-40B4-BE49-F238E27FC236}">
-                <a16:creationId xmlns:a16="http://schemas.microsoft.com/office/drawing/2014/main" id="{4722FE51-E749-8278-0BF6-F8DE45F3D06F}"/>
+                <a16:creationId xmlns:a16="http://schemas.microsoft.com/office/drawing/2014/main" id="{B8E36DDC-8BAE-8127-6390-7F391BBBAD21}"/>
               </a:ext>
             </a:extLst>
           </p:cNvPr>
@@ -4587,40 +4605,155 @@
           <a:p>
             <a:r>
               <a:rPr lang="de-DE" dirty="0"/>
-              <a:t>Projektidee</a:t>
-            </a:r>
-          </a:p>
-        </p:txBody>
-      </p:sp>
-      <p:sp>
-        <p:nvSpPr>
-          <p:cNvPr id="3" name="Inhaltsplatzhalter 2">
-            <a:extLst>
-              <a:ext uri="{FF2B5EF4-FFF2-40B4-BE49-F238E27FC236}">
-                <a16:creationId xmlns:a16="http://schemas.microsoft.com/office/drawing/2014/main" id="{39E0B33E-A816-7317-B9B9-4474E367D845}"/>
-              </a:ext>
-            </a:extLst>
-          </p:cNvPr>
-          <p:cNvSpPr>
-            <a:spLocks noGrp="1"/>
-          </p:cNvSpPr>
-          <p:nvPr>
-            <p:ph idx="1"/>
-          </p:nvPr>
-        </p:nvSpPr>
-        <p:spPr/>
-        <p:txBody>
-          <a:bodyPr/>
-          <a:lstStyle/>
-          <a:p>
-            <a:endParaRPr lang="de-DE"/>
-          </a:p>
-        </p:txBody>
-      </p:sp>
+              <a:t>Projektteam</a:t>
+            </a:r>
+          </a:p>
+        </p:txBody>
+      </p:sp>
+      <p:sp>
+        <p:nvSpPr>
+          <p:cNvPr id="4" name="Textfeld 3">
+            <a:extLst>
+              <a:ext uri="{FF2B5EF4-FFF2-40B4-BE49-F238E27FC236}">
+                <a16:creationId xmlns:a16="http://schemas.microsoft.com/office/drawing/2014/main" id="{E1635425-E7E2-EC53-CC2E-5D6AFAEC2F2A}"/>
+              </a:ext>
+            </a:extLst>
+          </p:cNvPr>
+          <p:cNvSpPr txBox="1"/>
+          <p:nvPr/>
+        </p:nvSpPr>
+        <p:spPr>
+          <a:xfrm>
+            <a:off x="2117271" y="2547257"/>
+            <a:ext cx="2643481" cy="646331"/>
+          </a:xfrm>
+          <a:prstGeom prst="rect">
+            <a:avLst/>
+          </a:prstGeom>
+          <a:noFill/>
+        </p:spPr>
+        <p:txBody>
+          <a:bodyPr wrap="none" rtlCol="0">
+            <a:spAutoFit/>
+          </a:bodyPr>
+          <a:lstStyle/>
+          <a:p>
+            <a:pPr algn="ctr"/>
+            <a:r>
+              <a:rPr lang="de-DE" dirty="0"/>
+              <a:t>Projektleiter</a:t>
+            </a:r>
+            <a:br>
+              <a:rPr lang="de-DE" dirty="0"/>
+            </a:br>
+            <a:r>
+              <a:rPr lang="de-DE" dirty="0"/>
+              <a:t>Laurin Losert-Nachbaur</a:t>
+            </a:r>
+          </a:p>
+        </p:txBody>
+      </p:sp>
+      <p:sp>
+        <p:nvSpPr>
+          <p:cNvPr id="5" name="Textfeld 4">
+            <a:extLst>
+              <a:ext uri="{FF2B5EF4-FFF2-40B4-BE49-F238E27FC236}">
+                <a16:creationId xmlns:a16="http://schemas.microsoft.com/office/drawing/2014/main" id="{00DD952A-6692-90A1-B61A-CEFFC29D8452}"/>
+              </a:ext>
+            </a:extLst>
+          </p:cNvPr>
+          <p:cNvSpPr txBox="1"/>
+          <p:nvPr/>
+        </p:nvSpPr>
+        <p:spPr>
+          <a:xfrm>
+            <a:off x="7144755" y="2547257"/>
+            <a:ext cx="1721625" cy="646331"/>
+          </a:xfrm>
+          <a:prstGeom prst="rect">
+            <a:avLst/>
+          </a:prstGeom>
+          <a:noFill/>
+        </p:spPr>
+        <p:txBody>
+          <a:bodyPr wrap="none" rtlCol="0">
+            <a:spAutoFit/>
+          </a:bodyPr>
+          <a:lstStyle/>
+          <a:p>
+            <a:pPr algn="ctr"/>
+            <a:r>
+              <a:rPr lang="de-DE" dirty="0"/>
+              <a:t>Projektmitglied</a:t>
+            </a:r>
+            <a:br>
+              <a:rPr lang="de-DE" dirty="0"/>
+            </a:br>
+            <a:r>
+              <a:rPr lang="de-DE" dirty="0"/>
+              <a:t>Sven Sinz</a:t>
+            </a:r>
+          </a:p>
+        </p:txBody>
+      </p:sp>
+      <p:pic>
+        <p:nvPicPr>
+          <p:cNvPr id="11" name="Grafik 10">
+            <a:extLst>
+              <a:ext uri="{FF2B5EF4-FFF2-40B4-BE49-F238E27FC236}">
+                <a16:creationId xmlns:a16="http://schemas.microsoft.com/office/drawing/2014/main" id="{5AAC4D2B-BFC3-828B-BEB3-266E8E399FF2}"/>
+              </a:ext>
+            </a:extLst>
+          </p:cNvPr>
+          <p:cNvPicPr>
+            <a:picLocks noChangeAspect="1"/>
+          </p:cNvPicPr>
+          <p:nvPr/>
+        </p:nvPicPr>
+        <p:blipFill>
+          <a:blip r:embed="rId2"/>
+          <a:stretch>
+            <a:fillRect/>
+          </a:stretch>
+        </p:blipFill>
+        <p:spPr>
+          <a:xfrm>
+            <a:off x="6844194" y="3319184"/>
+            <a:ext cx="2322746" cy="2609968"/>
+          </a:xfrm>
+          <a:prstGeom prst="roundRect">
+            <a:avLst>
+              <a:gd name="adj" fmla="val 16667"/>
+            </a:avLst>
+          </a:prstGeom>
+          <a:ln>
+            <a:noFill/>
+          </a:ln>
+          <a:effectLst>
+            <a:outerShdw blurRad="76200" dist="38100" dir="7800000" algn="tl" rotWithShape="0">
+              <a:srgbClr val="000000">
+                <a:alpha val="40000"/>
+              </a:srgbClr>
+            </a:outerShdw>
+          </a:effectLst>
+          <a:scene3d>
+            <a:camera prst="orthographicFront"/>
+            <a:lightRig rig="contrasting" dir="t">
+              <a:rot lat="0" lon="0" rev="4200000"/>
+            </a:lightRig>
+          </a:scene3d>
+          <a:sp3d prstMaterial="plastic">
+            <a:bevelT w="381000" h="114300" prst="relaxedInset"/>
+            <a:contourClr>
+              <a:srgbClr val="969696"/>
+            </a:contourClr>
+          </a:sp3d>
+        </p:spPr>
+      </p:pic>
     </p:spTree>
     <p:extLst>
       <p:ext uri="{BB962C8B-B14F-4D97-AF65-F5344CB8AC3E}">
-        <p14:creationId xmlns:p14="http://schemas.microsoft.com/office/powerpoint/2010/main" val="418972177"/>
+        <p14:creationId xmlns:p14="http://schemas.microsoft.com/office/powerpoint/2010/main" val="2494011456"/>
       </p:ext>
     </p:extLst>
   </p:cSld>
@@ -4652,7 +4785,7 @@
           <p:cNvPr id="2" name="Titel 1">
             <a:extLst>
               <a:ext uri="{FF2B5EF4-FFF2-40B4-BE49-F238E27FC236}">
-                <a16:creationId xmlns:a16="http://schemas.microsoft.com/office/drawing/2014/main" id="{BBEFC3EA-193E-63B6-B0BC-4A2FC03CFAE6}"/>
+                <a16:creationId xmlns:a16="http://schemas.microsoft.com/office/drawing/2014/main" id="{4722FE51-E749-8278-0BF6-F8DE45F3D06F}"/>
               </a:ext>
             </a:extLst>
           </p:cNvPr>
@@ -4670,7 +4803,7 @@
           <a:p>
             <a:r>
               <a:rPr lang="de-DE" dirty="0"/>
-              <a:t>Next.js Framework</a:t>
+              <a:t>Projektidee</a:t>
             </a:r>
           </a:p>
         </p:txBody>
@@ -4680,7 +4813,7 @@
           <p:cNvPr id="3" name="Inhaltsplatzhalter 2">
             <a:extLst>
               <a:ext uri="{FF2B5EF4-FFF2-40B4-BE49-F238E27FC236}">
-                <a16:creationId xmlns:a16="http://schemas.microsoft.com/office/drawing/2014/main" id="{66741C0D-C3F1-B412-8962-E9C020C965F7}"/>
+                <a16:creationId xmlns:a16="http://schemas.microsoft.com/office/drawing/2014/main" id="{39E0B33E-A816-7317-B9B9-4474E367D845}"/>
               </a:ext>
             </a:extLst>
           </p:cNvPr>
@@ -4703,7 +4836,7 @@
     </p:spTree>
     <p:extLst>
       <p:ext uri="{BB962C8B-B14F-4D97-AF65-F5344CB8AC3E}">
-        <p14:creationId xmlns:p14="http://schemas.microsoft.com/office/powerpoint/2010/main" val="583060019"/>
+        <p14:creationId xmlns:p14="http://schemas.microsoft.com/office/powerpoint/2010/main" val="418972177"/>
       </p:ext>
     </p:extLst>
   </p:cSld>
@@ -4735,7 +4868,7 @@
           <p:cNvPr id="2" name="Titel 1">
             <a:extLst>
               <a:ext uri="{FF2B5EF4-FFF2-40B4-BE49-F238E27FC236}">
-                <a16:creationId xmlns:a16="http://schemas.microsoft.com/office/drawing/2014/main" id="{3885E639-721B-5CA1-C9DC-EB2B656D2655}"/>
+                <a16:creationId xmlns:a16="http://schemas.microsoft.com/office/drawing/2014/main" id="{BBEFC3EA-193E-63B6-B0BC-4A2FC03CFAE6}"/>
               </a:ext>
             </a:extLst>
           </p:cNvPr>
@@ -4753,7 +4886,7 @@
           <a:p>
             <a:r>
               <a:rPr lang="de-DE" dirty="0"/>
-              <a:t>APIs</a:t>
+              <a:t>Next.js Framework</a:t>
             </a:r>
           </a:p>
         </p:txBody>
@@ -4763,7 +4896,7 @@
           <p:cNvPr id="3" name="Inhaltsplatzhalter 2">
             <a:extLst>
               <a:ext uri="{FF2B5EF4-FFF2-40B4-BE49-F238E27FC236}">
-                <a16:creationId xmlns:a16="http://schemas.microsoft.com/office/drawing/2014/main" id="{01671CF1-AB30-D1BC-CBCA-7254E4B21AE2}"/>
+                <a16:creationId xmlns:a16="http://schemas.microsoft.com/office/drawing/2014/main" id="{66741C0D-C3F1-B412-8962-E9C020C965F7}"/>
               </a:ext>
             </a:extLst>
           </p:cNvPr>
@@ -4786,7 +4919,7 @@
     </p:spTree>
     <p:extLst>
       <p:ext uri="{BB962C8B-B14F-4D97-AF65-F5344CB8AC3E}">
-        <p14:creationId xmlns:p14="http://schemas.microsoft.com/office/powerpoint/2010/main" val="3415735687"/>
+        <p14:creationId xmlns:p14="http://schemas.microsoft.com/office/powerpoint/2010/main" val="583060019"/>
       </p:ext>
     </p:extLst>
   </p:cSld>
@@ -4818,7 +4951,7 @@
           <p:cNvPr id="2" name="Titel 1">
             <a:extLst>
               <a:ext uri="{FF2B5EF4-FFF2-40B4-BE49-F238E27FC236}">
-                <a16:creationId xmlns:a16="http://schemas.microsoft.com/office/drawing/2014/main" id="{677FE3D7-8CDA-E4CD-09F6-49DD111523FA}"/>
+                <a16:creationId xmlns:a16="http://schemas.microsoft.com/office/drawing/2014/main" id="{3885E639-721B-5CA1-C9DC-EB2B656D2655}"/>
               </a:ext>
             </a:extLst>
           </p:cNvPr>
@@ -4836,7 +4969,7 @@
           <a:p>
             <a:r>
               <a:rPr lang="de-DE" dirty="0"/>
-              <a:t>Aktueller Stand</a:t>
+              <a:t>APIs</a:t>
             </a:r>
           </a:p>
         </p:txBody>
@@ -4846,7 +4979,7 @@
           <p:cNvPr id="3" name="Inhaltsplatzhalter 2">
             <a:extLst>
               <a:ext uri="{FF2B5EF4-FFF2-40B4-BE49-F238E27FC236}">
-                <a16:creationId xmlns:a16="http://schemas.microsoft.com/office/drawing/2014/main" id="{E094B4A5-C1D4-BACB-0EDC-8C581476FECB}"/>
+                <a16:creationId xmlns:a16="http://schemas.microsoft.com/office/drawing/2014/main" id="{01671CF1-AB30-D1BC-CBCA-7254E4B21AE2}"/>
               </a:ext>
             </a:extLst>
           </p:cNvPr>
@@ -4869,7 +5002,7 @@
     </p:spTree>
     <p:extLst>
       <p:ext uri="{BB962C8B-B14F-4D97-AF65-F5344CB8AC3E}">
-        <p14:creationId xmlns:p14="http://schemas.microsoft.com/office/powerpoint/2010/main" val="1522941782"/>
+        <p14:creationId xmlns:p14="http://schemas.microsoft.com/office/powerpoint/2010/main" val="3415735687"/>
       </p:ext>
     </p:extLst>
   </p:cSld>
@@ -4901,6 +5034,89 @@
           <p:cNvPr id="2" name="Titel 1">
             <a:extLst>
               <a:ext uri="{FF2B5EF4-FFF2-40B4-BE49-F238E27FC236}">
+                <a16:creationId xmlns:a16="http://schemas.microsoft.com/office/drawing/2014/main" id="{677FE3D7-8CDA-E4CD-09F6-49DD111523FA}"/>
+              </a:ext>
+            </a:extLst>
+          </p:cNvPr>
+          <p:cNvSpPr>
+            <a:spLocks noGrp="1"/>
+          </p:cNvSpPr>
+          <p:nvPr>
+            <p:ph type="title"/>
+          </p:nvPr>
+        </p:nvSpPr>
+        <p:spPr/>
+        <p:txBody>
+          <a:bodyPr/>
+          <a:lstStyle/>
+          <a:p>
+            <a:r>
+              <a:rPr lang="de-DE" dirty="0"/>
+              <a:t>Aktueller Stand</a:t>
+            </a:r>
+          </a:p>
+        </p:txBody>
+      </p:sp>
+      <p:sp>
+        <p:nvSpPr>
+          <p:cNvPr id="3" name="Inhaltsplatzhalter 2">
+            <a:extLst>
+              <a:ext uri="{FF2B5EF4-FFF2-40B4-BE49-F238E27FC236}">
+                <a16:creationId xmlns:a16="http://schemas.microsoft.com/office/drawing/2014/main" id="{E094B4A5-C1D4-BACB-0EDC-8C581476FECB}"/>
+              </a:ext>
+            </a:extLst>
+          </p:cNvPr>
+          <p:cNvSpPr>
+            <a:spLocks noGrp="1"/>
+          </p:cNvSpPr>
+          <p:nvPr>
+            <p:ph idx="1"/>
+          </p:nvPr>
+        </p:nvSpPr>
+        <p:spPr/>
+        <p:txBody>
+          <a:bodyPr/>
+          <a:lstStyle/>
+          <a:p>
+            <a:endParaRPr lang="de-DE"/>
+          </a:p>
+        </p:txBody>
+      </p:sp>
+    </p:spTree>
+    <p:extLst>
+      <p:ext uri="{BB962C8B-B14F-4D97-AF65-F5344CB8AC3E}">
+        <p14:creationId xmlns:p14="http://schemas.microsoft.com/office/powerpoint/2010/main" val="1522941782"/>
+      </p:ext>
+    </p:extLst>
+  </p:cSld>
+  <p:clrMapOvr>
+    <a:masterClrMapping/>
+  </p:clrMapOvr>
+</p:sld>
+</file>
+
+<file path=ppt/slides/slide8.xml><?xml version="1.0" encoding="utf-8"?>
+<p:sld xmlns:a="http://schemas.openxmlformats.org/drawingml/2006/main" xmlns:r="http://schemas.openxmlformats.org/officeDocument/2006/relationships" xmlns:p="http://schemas.openxmlformats.org/presentationml/2006/main">
+  <p:cSld>
+    <p:spTree>
+      <p:nvGrpSpPr>
+        <p:cNvPr id="1" name=""/>
+        <p:cNvGrpSpPr/>
+        <p:nvPr/>
+      </p:nvGrpSpPr>
+      <p:grpSpPr>
+        <a:xfrm>
+          <a:off x="0" y="0"/>
+          <a:ext cx="0" cy="0"/>
+          <a:chOff x="0" y="0"/>
+          <a:chExt cx="0" cy="0"/>
+        </a:xfrm>
+      </p:grpSpPr>
+      <p:sp>
+        <p:nvSpPr>
+          <p:cNvPr id="2" name="Titel 1">
+            <a:extLst>
+              <a:ext uri="{FF2B5EF4-FFF2-40B4-BE49-F238E27FC236}">
                 <a16:creationId xmlns:a16="http://schemas.microsoft.com/office/drawing/2014/main" id="{7750BE6C-0C4C-5A8B-4F5F-32403392976D}"/>
               </a:ext>
             </a:extLst>
@@ -4962,7 +5178,7 @@
 </p:sld>
 </file>
 
-<file path=ppt/slides/slide8.xml><?xml version="1.0" encoding="utf-8"?>
+<file path=ppt/slides/slide9.xml><?xml version="1.0" encoding="utf-8"?>
 <p:sld xmlns:a="http://schemas.openxmlformats.org/drawingml/2006/main" xmlns:r="http://schemas.openxmlformats.org/officeDocument/2006/relationships" xmlns:p="http://schemas.openxmlformats.org/presentationml/2006/main">
   <p:cSld>
     <p:bg>

--- a/ScreenTale/Projektmanagement/Zwischenpräsentation_14_12_2023.pptx
+++ b/ScreenTale/Projektmanagement/Zwischenpräsentation_14_12_2023.pptx
@@ -4547,8 +4547,29 @@
           <a:p>
             <a:r>
               <a:rPr lang="de-DE" dirty="0"/>
-              <a:t>(Eventuell Zeitplan)</a:t>
-            </a:r>
+              <a:t>(Eventuell Zeitplan) und Mockup </a:t>
+            </a:r>
+            <a:r>
+              <a:rPr lang="de-DE" dirty="0" err="1"/>
+              <a:t>gfallt</a:t>
+            </a:r>
+            <a:r>
+              <a:rPr lang="de-DE" dirty="0"/>
+              <a:t> am Leeb </a:t>
+            </a:r>
+            <a:r>
+              <a:rPr lang="de-DE" dirty="0" err="1"/>
+              <a:t>imma</a:t>
+            </a:r>
+            <a:r>
+              <a:rPr lang="de-DE" dirty="0"/>
+              <a:t> </a:t>
+            </a:r>
+            <a:r>
+              <a:rPr lang="de-DE" dirty="0" err="1"/>
+              <a:t>guat</a:t>
+            </a:r>
+            <a:endParaRPr lang="de-DE" dirty="0"/>
           </a:p>
         </p:txBody>
       </p:sp>
@@ -4624,8 +4645,8 @@
         </p:nvSpPr>
         <p:spPr>
           <a:xfrm>
-            <a:off x="2117271" y="2547257"/>
-            <a:ext cx="2643481" cy="646331"/>
+            <a:off x="1980760" y="2547257"/>
+            <a:ext cx="2916504" cy="707886"/>
           </a:xfrm>
           <a:prstGeom prst="rect">
             <a:avLst/>
@@ -4640,14 +4661,14 @@
           <a:p>
             <a:pPr algn="ctr"/>
             <a:r>
-              <a:rPr lang="de-DE" dirty="0"/>
+              <a:rPr lang="de-DE" sz="2000" dirty="0"/>
               <a:t>Projektleiter</a:t>
             </a:r>
             <a:br>
-              <a:rPr lang="de-DE" dirty="0"/>
+              <a:rPr lang="de-DE" sz="2000" dirty="0"/>
             </a:br>
             <a:r>
-              <a:rPr lang="de-DE" dirty="0"/>
+              <a:rPr lang="de-DE" sz="2000" dirty="0"/>
               <a:t>Laurin Losert-Nachbaur</a:t>
             </a:r>
           </a:p>
@@ -4667,8 +4688,8 @@
         </p:nvSpPr>
         <p:spPr>
           <a:xfrm>
-            <a:off x="7144755" y="2547257"/>
-            <a:ext cx="1721625" cy="646331"/>
+            <a:off x="7056429" y="2547257"/>
+            <a:ext cx="1898277" cy="707886"/>
           </a:xfrm>
           <a:prstGeom prst="rect">
             <a:avLst/>
@@ -4683,14 +4704,14 @@
           <a:p>
             <a:pPr algn="ctr"/>
             <a:r>
-              <a:rPr lang="de-DE" dirty="0"/>
+              <a:rPr lang="de-DE" sz="2000" dirty="0"/>
               <a:t>Projektmitglied</a:t>
             </a:r>
             <a:br>
-              <a:rPr lang="de-DE" dirty="0"/>
+              <a:rPr lang="de-DE" sz="2000" dirty="0"/>
             </a:br>
             <a:r>
-              <a:rPr lang="de-DE" dirty="0"/>
+              <a:rPr lang="de-DE" sz="2000" dirty="0"/>
               <a:t>Sven Sinz</a:t>
             </a:r>
           </a:p>
@@ -4824,12 +4845,55 @@
             <p:ph idx="1"/>
           </p:nvPr>
         </p:nvSpPr>
-        <p:spPr/>
-        <p:txBody>
-          <a:bodyPr/>
-          <a:lstStyle/>
-          <a:p>
-            <a:endParaRPr lang="de-DE"/>
+        <p:spPr>
+          <a:xfrm>
+            <a:off x="1143000" y="2117271"/>
+            <a:ext cx="9905999" cy="3781873"/>
+          </a:xfrm>
+        </p:spPr>
+        <p:txBody>
+          <a:bodyPr>
+            <a:normAutofit/>
+          </a:bodyPr>
+          <a:lstStyle/>
+          <a:p>
+            <a:r>
+              <a:rPr lang="de-DE" dirty="0"/>
+              <a:t>Universelle Medienverwaltung:</a:t>
+            </a:r>
+            <a:br>
+              <a:rPr lang="de-DE" dirty="0"/>
+            </a:br>
+            <a:r>
+              <a:rPr lang="de-DE" dirty="0"/>
+              <a:t>Benutzer können ihre Filme, TV-Serien, Musikalben, Bücher und Spiele in einer einzigen Anwendung verwalten.</a:t>
+            </a:r>
+          </a:p>
+          <a:p>
+            <a:r>
+              <a:rPr lang="de-DE" dirty="0"/>
+              <a:t>Intuitive Benutzeroberfläche:</a:t>
+            </a:r>
+            <a:br>
+              <a:rPr lang="de-DE" dirty="0"/>
+            </a:br>
+            <a:r>
+              <a:rPr lang="de-DE" dirty="0"/>
+              <a:t>Eine benutzerfreundliche und ansprechende Oberfläche erleichtert die Navigation und Nutzung der Anwendung.</a:t>
+            </a:r>
+          </a:p>
+          <a:p>
+            <a:r>
+              <a:rPr lang="de-DE" dirty="0"/>
+              <a:t>Metadatenintegration:</a:t>
+            </a:r>
+            <a:br>
+              <a:rPr lang="de-DE" dirty="0"/>
+            </a:br>
+            <a:r>
+              <a:rPr lang="de-DE" dirty="0"/>
+              <a:t>Automatische Integration von Metadaten wie Filmtiteln, Albumcovern und Buchbeschreibungen für eine detailreiche Medienbibliothek.</a:t>
+            </a:r>
           </a:p>
         </p:txBody>
       </p:sp>
@@ -4849,6 +4913,14 @@
 <file path=ppt/slides/slide5.xml><?xml version="1.0" encoding="utf-8"?>
 <p:sld xmlns:a="http://schemas.openxmlformats.org/drawingml/2006/main" xmlns:r="http://schemas.openxmlformats.org/officeDocument/2006/relationships" xmlns:p="http://schemas.openxmlformats.org/presentationml/2006/main">
   <p:cSld>
+    <p:bg>
+      <p:bgPr>
+        <a:solidFill>
+          <a:schemeClr val="bg1"/>
+        </a:solidFill>
+        <a:effectLst/>
+      </p:bgPr>
+    </p:bg>
     <p:spTree>
       <p:nvGrpSpPr>
         <p:cNvPr id="1" name=""/>
@@ -4863,6 +4935,430 @@
           <a:chExt cx="0" cy="0"/>
         </a:xfrm>
       </p:grpSpPr>
+      <p:sp useBgFill="1">
+        <p:nvSpPr>
+          <p:cNvPr id="1044" name="Rectangle 1043">
+            <a:extLst>
+              <a:ext uri="{FF2B5EF4-FFF2-40B4-BE49-F238E27FC236}">
+                <a16:creationId xmlns:a16="http://schemas.microsoft.com/office/drawing/2014/main" id="{FA294778-47A8-4EEF-9689-F6964D44D176}"/>
+              </a:ext>
+              <a:ext uri="{C183D7F6-B498-43B3-948B-1728B52AA6E4}">
+                <adec:decorative xmlns:adec="http://schemas.microsoft.com/office/drawing/2017/decorative" val="1"/>
+              </a:ext>
+            </a:extLst>
+          </p:cNvPr>
+          <p:cNvSpPr>
+            <a:spLocks noGrp="1" noRot="1" noChangeAspect="1" noMove="1" noResize="1" noEditPoints="1" noAdjustHandles="1" noChangeArrowheads="1" noChangeShapeType="1" noTextEdit="1"/>
+          </p:cNvSpPr>
+          <p:nvPr>
+            <p:extLst>
+              <p:ext uri="{386F3935-93C4-4BCD-93E2-E3B085C9AB24}">
+                <p16:designElem xmlns:p16="http://schemas.microsoft.com/office/powerpoint/2015/main" val="1"/>
+              </p:ext>
+            </p:extLst>
+          </p:nvPr>
+        </p:nvSpPr>
+        <p:spPr>
+          <a:xfrm>
+            <a:off x="0" y="0"/>
+            <a:ext cx="12192000" cy="6858000"/>
+          </a:xfrm>
+          <a:prstGeom prst="rect">
+            <a:avLst/>
+          </a:prstGeom>
+          <a:ln w="12700" cap="flat" cmpd="sng" algn="ctr">
+            <a:noFill/>
+            <a:prstDash val="solid"/>
+            <a:miter lim="800000"/>
+          </a:ln>
+          <a:effectLst/>
+          <a:extLst>
+            <a:ext uri="{91240B29-F687-4F45-9708-019B960494DF}">
+              <a14:hiddenLine xmlns:a14="http://schemas.microsoft.com/office/drawing/2010/main" w="12700" cap="flat" cmpd="sng" algn="ctr">
+                <a:solidFill>
+                  <a:schemeClr val="accent1">
+                    <a:shade val="50000"/>
+                  </a:schemeClr>
+                </a:solidFill>
+                <a:prstDash val="solid"/>
+                <a:miter lim="800000"/>
+              </a14:hiddenLine>
+            </a:ext>
+          </a:extLst>
+        </p:spPr>
+        <p:style>
+          <a:lnRef idx="2">
+            <a:schemeClr val="accent1">
+              <a:shade val="50000"/>
+            </a:schemeClr>
+          </a:lnRef>
+          <a:fillRef idx="1">
+            <a:schemeClr val="accent1"/>
+          </a:fillRef>
+          <a:effectRef idx="0">
+            <a:schemeClr val="accent1"/>
+          </a:effectRef>
+          <a:fontRef idx="minor">
+            <a:schemeClr val="lt1"/>
+          </a:fontRef>
+        </p:style>
+        <p:txBody>
+          <a:bodyPr rtlCol="0" anchor="ctr"/>
+          <a:lstStyle/>
+          <a:p>
+            <a:pPr algn="ctr"/>
+            <a:endParaRPr lang="en-US"/>
+          </a:p>
+        </p:txBody>
+      </p:sp>
+      <p:sp>
+        <p:nvSpPr>
+          <p:cNvPr id="1046" name="Freeform: Shape 1045">
+            <a:extLst>
+              <a:ext uri="{FF2B5EF4-FFF2-40B4-BE49-F238E27FC236}">
+                <a16:creationId xmlns:a16="http://schemas.microsoft.com/office/drawing/2014/main" id="{BD2A511A-065F-489D-9CF0-FEF36143ACD1}"/>
+              </a:ext>
+              <a:ext uri="{C183D7F6-B498-43B3-948B-1728B52AA6E4}">
+                <adec:decorative xmlns:adec="http://schemas.microsoft.com/office/drawing/2017/decorative" val="1"/>
+              </a:ext>
+            </a:extLst>
+          </p:cNvPr>
+          <p:cNvSpPr>
+            <a:spLocks noGrp="1" noRot="1" noChangeAspect="1" noMove="1" noResize="1" noEditPoints="1" noAdjustHandles="1" noChangeArrowheads="1" noChangeShapeType="1" noTextEdit="1"/>
+          </p:cNvSpPr>
+          <p:nvPr>
+            <p:extLst>
+              <p:ext uri="{386F3935-93C4-4BCD-93E2-E3B085C9AB24}">
+                <p16:designElem xmlns:p16="http://schemas.microsoft.com/office/powerpoint/2015/main" val="1"/>
+              </p:ext>
+            </p:extLst>
+          </p:nvPr>
+        </p:nvSpPr>
+        <p:spPr>
+          <a:xfrm rot="10800000" flipH="1" flipV="1">
+            <a:off x="5318060" y="0"/>
+            <a:ext cx="6885325" cy="6858000"/>
+          </a:xfrm>
+          <a:custGeom>
+            <a:avLst/>
+            <a:gdLst>
+              <a:gd name="connsiteX0" fmla="*/ 4456883 w 6885325"/>
+              <a:gd name="connsiteY0" fmla="*/ 6858000 h 6858000"/>
+              <a:gd name="connsiteX1" fmla="*/ 0 w 6885325"/>
+              <a:gd name="connsiteY1" fmla="*/ 6858000 h 6858000"/>
+              <a:gd name="connsiteX2" fmla="*/ 6010592 w 6885325"/>
+              <a:gd name="connsiteY2" fmla="*/ 0 h 6858000"/>
+              <a:gd name="connsiteX3" fmla="*/ 6885325 w 6885325"/>
+              <a:gd name="connsiteY3" fmla="*/ 0 h 6858000"/>
+              <a:gd name="connsiteX4" fmla="*/ 6885325 w 6885325"/>
+              <a:gd name="connsiteY4" fmla="*/ 1545581 h 6858000"/>
+              <a:gd name="connsiteX5" fmla="*/ 6885324 w 6885325"/>
+              <a:gd name="connsiteY5" fmla="*/ 1545582 h 6858000"/>
+              <a:gd name="connsiteX6" fmla="*/ 6885324 w 6885325"/>
+              <a:gd name="connsiteY6" fmla="*/ 4070877 h 6858000"/>
+              <a:gd name="connsiteX7" fmla="*/ 6885325 w 6885325"/>
+              <a:gd name="connsiteY7" fmla="*/ 4070876 h 6858000"/>
+              <a:gd name="connsiteX8" fmla="*/ 6885325 w 6885325"/>
+              <a:gd name="connsiteY8" fmla="*/ 6857999 h 6858000"/>
+              <a:gd name="connsiteX9" fmla="*/ 4456884 w 6885325"/>
+              <a:gd name="connsiteY9" fmla="*/ 6857999 h 6858000"/>
+              <a:gd name="connsiteX0" fmla="*/ 4456884 w 6885325"/>
+              <a:gd name="connsiteY0" fmla="*/ 6857999 h 6858000"/>
+              <a:gd name="connsiteX1" fmla="*/ 0 w 6885325"/>
+              <a:gd name="connsiteY1" fmla="*/ 6858000 h 6858000"/>
+              <a:gd name="connsiteX2" fmla="*/ 6010592 w 6885325"/>
+              <a:gd name="connsiteY2" fmla="*/ 0 h 6858000"/>
+              <a:gd name="connsiteX3" fmla="*/ 6885325 w 6885325"/>
+              <a:gd name="connsiteY3" fmla="*/ 0 h 6858000"/>
+              <a:gd name="connsiteX4" fmla="*/ 6885325 w 6885325"/>
+              <a:gd name="connsiteY4" fmla="*/ 1545581 h 6858000"/>
+              <a:gd name="connsiteX5" fmla="*/ 6885324 w 6885325"/>
+              <a:gd name="connsiteY5" fmla="*/ 1545582 h 6858000"/>
+              <a:gd name="connsiteX6" fmla="*/ 6885324 w 6885325"/>
+              <a:gd name="connsiteY6" fmla="*/ 4070877 h 6858000"/>
+              <a:gd name="connsiteX7" fmla="*/ 6885325 w 6885325"/>
+              <a:gd name="connsiteY7" fmla="*/ 4070876 h 6858000"/>
+              <a:gd name="connsiteX8" fmla="*/ 6885325 w 6885325"/>
+              <a:gd name="connsiteY8" fmla="*/ 6857999 h 6858000"/>
+              <a:gd name="connsiteX9" fmla="*/ 4456884 w 6885325"/>
+              <a:gd name="connsiteY9" fmla="*/ 6857999 h 6858000"/>
+              <a:gd name="connsiteX0" fmla="*/ 6885325 w 6885325"/>
+              <a:gd name="connsiteY0" fmla="*/ 6857999 h 6858000"/>
+              <a:gd name="connsiteX1" fmla="*/ 0 w 6885325"/>
+              <a:gd name="connsiteY1" fmla="*/ 6858000 h 6858000"/>
+              <a:gd name="connsiteX2" fmla="*/ 6010592 w 6885325"/>
+              <a:gd name="connsiteY2" fmla="*/ 0 h 6858000"/>
+              <a:gd name="connsiteX3" fmla="*/ 6885325 w 6885325"/>
+              <a:gd name="connsiteY3" fmla="*/ 0 h 6858000"/>
+              <a:gd name="connsiteX4" fmla="*/ 6885325 w 6885325"/>
+              <a:gd name="connsiteY4" fmla="*/ 1545581 h 6858000"/>
+              <a:gd name="connsiteX5" fmla="*/ 6885324 w 6885325"/>
+              <a:gd name="connsiteY5" fmla="*/ 1545582 h 6858000"/>
+              <a:gd name="connsiteX6" fmla="*/ 6885324 w 6885325"/>
+              <a:gd name="connsiteY6" fmla="*/ 4070877 h 6858000"/>
+              <a:gd name="connsiteX7" fmla="*/ 6885325 w 6885325"/>
+              <a:gd name="connsiteY7" fmla="*/ 4070876 h 6858000"/>
+              <a:gd name="connsiteX8" fmla="*/ 6885325 w 6885325"/>
+              <a:gd name="connsiteY8" fmla="*/ 6857999 h 6858000"/>
+              <a:gd name="connsiteX0" fmla="*/ 6885325 w 6885325"/>
+              <a:gd name="connsiteY0" fmla="*/ 6857999 h 6858000"/>
+              <a:gd name="connsiteX1" fmla="*/ 0 w 6885325"/>
+              <a:gd name="connsiteY1" fmla="*/ 6858000 h 6858000"/>
+              <a:gd name="connsiteX2" fmla="*/ 6010592 w 6885325"/>
+              <a:gd name="connsiteY2" fmla="*/ 0 h 6858000"/>
+              <a:gd name="connsiteX3" fmla="*/ 6885325 w 6885325"/>
+              <a:gd name="connsiteY3" fmla="*/ 0 h 6858000"/>
+              <a:gd name="connsiteX4" fmla="*/ 6885325 w 6885325"/>
+              <a:gd name="connsiteY4" fmla="*/ 1545581 h 6858000"/>
+              <a:gd name="connsiteX5" fmla="*/ 6885324 w 6885325"/>
+              <a:gd name="connsiteY5" fmla="*/ 1545582 h 6858000"/>
+              <a:gd name="connsiteX6" fmla="*/ 6885324 w 6885325"/>
+              <a:gd name="connsiteY6" fmla="*/ 4070877 h 6858000"/>
+              <a:gd name="connsiteX7" fmla="*/ 6885325 w 6885325"/>
+              <a:gd name="connsiteY7" fmla="*/ 6857999 h 6858000"/>
+              <a:gd name="connsiteX0" fmla="*/ 6885325 w 6885325"/>
+              <a:gd name="connsiteY0" fmla="*/ 6857999 h 6858000"/>
+              <a:gd name="connsiteX1" fmla="*/ 0 w 6885325"/>
+              <a:gd name="connsiteY1" fmla="*/ 6858000 h 6858000"/>
+              <a:gd name="connsiteX2" fmla="*/ 6010592 w 6885325"/>
+              <a:gd name="connsiteY2" fmla="*/ 0 h 6858000"/>
+              <a:gd name="connsiteX3" fmla="*/ 6885325 w 6885325"/>
+              <a:gd name="connsiteY3" fmla="*/ 0 h 6858000"/>
+              <a:gd name="connsiteX4" fmla="*/ 6885325 w 6885325"/>
+              <a:gd name="connsiteY4" fmla="*/ 1545581 h 6858000"/>
+              <a:gd name="connsiteX5" fmla="*/ 6885324 w 6885325"/>
+              <a:gd name="connsiteY5" fmla="*/ 1545582 h 6858000"/>
+              <a:gd name="connsiteX6" fmla="*/ 6885325 w 6885325"/>
+              <a:gd name="connsiteY6" fmla="*/ 6857999 h 6858000"/>
+              <a:gd name="connsiteX0" fmla="*/ 6885325 w 6885325"/>
+              <a:gd name="connsiteY0" fmla="*/ 6857999 h 6858000"/>
+              <a:gd name="connsiteX1" fmla="*/ 0 w 6885325"/>
+              <a:gd name="connsiteY1" fmla="*/ 6858000 h 6858000"/>
+              <a:gd name="connsiteX2" fmla="*/ 6010592 w 6885325"/>
+              <a:gd name="connsiteY2" fmla="*/ 0 h 6858000"/>
+              <a:gd name="connsiteX3" fmla="*/ 6885325 w 6885325"/>
+              <a:gd name="connsiteY3" fmla="*/ 0 h 6858000"/>
+              <a:gd name="connsiteX4" fmla="*/ 6885325 w 6885325"/>
+              <a:gd name="connsiteY4" fmla="*/ 1545581 h 6858000"/>
+              <a:gd name="connsiteX5" fmla="*/ 6885325 w 6885325"/>
+              <a:gd name="connsiteY5" fmla="*/ 6857999 h 6858000"/>
+              <a:gd name="connsiteX0" fmla="*/ 6885325 w 6885325"/>
+              <a:gd name="connsiteY0" fmla="*/ 6857999 h 6858000"/>
+              <a:gd name="connsiteX1" fmla="*/ 0 w 6885325"/>
+              <a:gd name="connsiteY1" fmla="*/ 6858000 h 6858000"/>
+              <a:gd name="connsiteX2" fmla="*/ 6010592 w 6885325"/>
+              <a:gd name="connsiteY2" fmla="*/ 0 h 6858000"/>
+              <a:gd name="connsiteX3" fmla="*/ 6885325 w 6885325"/>
+              <a:gd name="connsiteY3" fmla="*/ 0 h 6858000"/>
+              <a:gd name="connsiteX4" fmla="*/ 6885325 w 6885325"/>
+              <a:gd name="connsiteY4" fmla="*/ 6857999 h 6858000"/>
+            </a:gdLst>
+            <a:ahLst/>
+            <a:cxnLst>
+              <a:cxn ang="0">
+                <a:pos x="connsiteX0" y="connsiteY0"/>
+              </a:cxn>
+              <a:cxn ang="0">
+                <a:pos x="connsiteX1" y="connsiteY1"/>
+              </a:cxn>
+              <a:cxn ang="0">
+                <a:pos x="connsiteX2" y="connsiteY2"/>
+              </a:cxn>
+              <a:cxn ang="0">
+                <a:pos x="connsiteX3" y="connsiteY3"/>
+              </a:cxn>
+              <a:cxn ang="0">
+                <a:pos x="connsiteX4" y="connsiteY4"/>
+              </a:cxn>
+            </a:cxnLst>
+            <a:rect l="l" t="t" r="r" b="b"/>
+            <a:pathLst>
+              <a:path w="6885325" h="6858000">
+                <a:moveTo>
+                  <a:pt x="6885325" y="6857999"/>
+                </a:moveTo>
+                <a:lnTo>
+                  <a:pt x="0" y="6858000"/>
+                </a:lnTo>
+                <a:lnTo>
+                  <a:pt x="6010592" y="0"/>
+                </a:lnTo>
+                <a:lnTo>
+                  <a:pt x="6885325" y="0"/>
+                </a:lnTo>
+                <a:lnTo>
+                  <a:pt x="6885325" y="6857999"/>
+                </a:lnTo>
+                <a:close/>
+              </a:path>
+            </a:pathLst>
+          </a:custGeom>
+          <a:solidFill>
+            <a:srgbClr val="FFFFFF"/>
+          </a:solidFill>
+          <a:ln w="12700" cap="flat" cmpd="sng" algn="ctr">
+            <a:noFill/>
+            <a:prstDash val="solid"/>
+            <a:miter lim="800000"/>
+          </a:ln>
+          <a:effectLst/>
+        </p:spPr>
+        <p:style>
+          <a:lnRef idx="2">
+            <a:schemeClr val="accent1">
+              <a:shade val="50000"/>
+            </a:schemeClr>
+          </a:lnRef>
+          <a:fillRef idx="1">
+            <a:schemeClr val="accent1"/>
+          </a:fillRef>
+          <a:effectRef idx="0">
+            <a:schemeClr val="accent1"/>
+          </a:effectRef>
+          <a:fontRef idx="minor">
+            <a:schemeClr val="lt1"/>
+          </a:fontRef>
+        </p:style>
+        <p:txBody>
+          <a:bodyPr wrap="square" rtlCol="0" anchor="ctr">
+            <a:noAutofit/>
+          </a:bodyPr>
+          <a:lstStyle/>
+          <a:p>
+            <a:pPr algn="ctr"/>
+            <a:endParaRPr lang="en-US"/>
+          </a:p>
+        </p:txBody>
+      </p:sp>
+      <p:sp>
+        <p:nvSpPr>
+          <p:cNvPr id="1048" name="Freeform: Shape 1047">
+            <a:extLst>
+              <a:ext uri="{FF2B5EF4-FFF2-40B4-BE49-F238E27FC236}">
+                <a16:creationId xmlns:a16="http://schemas.microsoft.com/office/drawing/2014/main" id="{6F626582-88CC-4CA0-8BC6-94550FF9E6EF}"/>
+              </a:ext>
+              <a:ext uri="{C183D7F6-B498-43B3-948B-1728B52AA6E4}">
+                <adec:decorative xmlns:adec="http://schemas.microsoft.com/office/drawing/2017/decorative" val="1"/>
+              </a:ext>
+            </a:extLst>
+          </p:cNvPr>
+          <p:cNvSpPr>
+            <a:spLocks noGrp="1" noRot="1" noChangeAspect="1" noMove="1" noResize="1" noEditPoints="1" noAdjustHandles="1" noChangeArrowheads="1" noChangeShapeType="1" noTextEdit="1"/>
+          </p:cNvSpPr>
+          <p:nvPr>
+            <p:extLst>
+              <p:ext uri="{386F3935-93C4-4BCD-93E2-E3B085C9AB24}">
+                <p16:designElem xmlns:p16="http://schemas.microsoft.com/office/powerpoint/2015/main" val="1"/>
+              </p:ext>
+            </p:extLst>
+          </p:nvPr>
+        </p:nvSpPr>
+        <p:spPr>
+          <a:xfrm>
+            <a:off x="1" y="0"/>
+            <a:ext cx="11317267" cy="6858000"/>
+          </a:xfrm>
+          <a:custGeom>
+            <a:avLst/>
+            <a:gdLst>
+              <a:gd name="connsiteX0" fmla="*/ 0 w 11317267"/>
+              <a:gd name="connsiteY0" fmla="*/ 0 h 6858000"/>
+              <a:gd name="connsiteX1" fmla="*/ 11317267 w 11317267"/>
+              <a:gd name="connsiteY1" fmla="*/ 0 h 6858000"/>
+              <a:gd name="connsiteX2" fmla="*/ 5306679 w 11317267"/>
+              <a:gd name="connsiteY2" fmla="*/ 6857996 h 6858000"/>
+              <a:gd name="connsiteX3" fmla="*/ 5306677 w 11317267"/>
+              <a:gd name="connsiteY3" fmla="*/ 6857998 h 6858000"/>
+              <a:gd name="connsiteX4" fmla="*/ 5306675 w 11317267"/>
+              <a:gd name="connsiteY4" fmla="*/ 6858000 h 6858000"/>
+              <a:gd name="connsiteX5" fmla="*/ 0 w 11317267"/>
+              <a:gd name="connsiteY5" fmla="*/ 6858000 h 6858000"/>
+            </a:gdLst>
+            <a:ahLst/>
+            <a:cxnLst>
+              <a:cxn ang="0">
+                <a:pos x="connsiteX0" y="connsiteY0"/>
+              </a:cxn>
+              <a:cxn ang="0">
+                <a:pos x="connsiteX1" y="connsiteY1"/>
+              </a:cxn>
+              <a:cxn ang="0">
+                <a:pos x="connsiteX2" y="connsiteY2"/>
+              </a:cxn>
+              <a:cxn ang="0">
+                <a:pos x="connsiteX3" y="connsiteY3"/>
+              </a:cxn>
+              <a:cxn ang="0">
+                <a:pos x="connsiteX4" y="connsiteY4"/>
+              </a:cxn>
+              <a:cxn ang="0">
+                <a:pos x="connsiteX5" y="connsiteY5"/>
+              </a:cxn>
+            </a:cxnLst>
+            <a:rect l="l" t="t" r="r" b="b"/>
+            <a:pathLst>
+              <a:path w="11317267" h="6858000">
+                <a:moveTo>
+                  <a:pt x="0" y="0"/>
+                </a:moveTo>
+                <a:lnTo>
+                  <a:pt x="11317267" y="0"/>
+                </a:lnTo>
+                <a:lnTo>
+                  <a:pt x="5306679" y="6857996"/>
+                </a:lnTo>
+                <a:cubicBezTo>
+                  <a:pt x="5306679" y="6857997"/>
+                  <a:pt x="5306677" y="6857997"/>
+                  <a:pt x="5306677" y="6857998"/>
+                </a:cubicBezTo>
+                <a:lnTo>
+                  <a:pt x="5306675" y="6858000"/>
+                </a:lnTo>
+                <a:lnTo>
+                  <a:pt x="0" y="6858000"/>
+                </a:lnTo>
+                <a:close/>
+              </a:path>
+            </a:pathLst>
+          </a:custGeom>
+          <a:solidFill>
+            <a:schemeClr val="bg2"/>
+          </a:solidFill>
+          <a:ln w="12700" cap="flat" cmpd="sng" algn="ctr">
+            <a:noFill/>
+            <a:prstDash val="solid"/>
+            <a:miter lim="800000"/>
+          </a:ln>
+          <a:effectLst/>
+        </p:spPr>
+        <p:style>
+          <a:lnRef idx="2">
+            <a:schemeClr val="accent1">
+              <a:shade val="50000"/>
+            </a:schemeClr>
+          </a:lnRef>
+          <a:fillRef idx="1">
+            <a:schemeClr val="accent1"/>
+          </a:fillRef>
+          <a:effectRef idx="0">
+            <a:schemeClr val="accent1"/>
+          </a:effectRef>
+          <a:fontRef idx="minor">
+            <a:schemeClr val="lt1"/>
+          </a:fontRef>
+        </p:style>
+        <p:txBody>
+          <a:bodyPr wrap="square" rtlCol="0" anchor="ctr">
+            <a:noAutofit/>
+          </a:bodyPr>
+          <a:lstStyle/>
+          <a:p>
+            <a:pPr algn="ctr"/>
+            <a:endParaRPr lang="en-US"/>
+          </a:p>
+        </p:txBody>
+      </p:sp>
       <p:sp>
         <p:nvSpPr>
           <p:cNvPr id="2" name="Titel 1">
@@ -4879,13 +5375,27 @@
             <p:ph type="title"/>
           </p:nvPr>
         </p:nvSpPr>
-        <p:spPr/>
-        <p:txBody>
-          <a:bodyPr/>
-          <a:lstStyle/>
-          <a:p>
-            <a:r>
-              <a:rPr lang="de-DE" dirty="0"/>
+        <p:spPr>
+          <a:xfrm>
+            <a:off x="1143000" y="872937"/>
+            <a:ext cx="7492285" cy="1360898"/>
+          </a:xfrm>
+        </p:spPr>
+        <p:txBody>
+          <a:bodyPr vert="horz" lIns="91440" tIns="45720" rIns="91440" bIns="45720" rtlCol="0" anchor="ctr">
+            <a:normAutofit/>
+          </a:bodyPr>
+          <a:lstStyle/>
+          <a:p>
+            <a:r>
+              <a:rPr lang="en-US" kern="1200" cap="all" spc="300">
+                <a:solidFill>
+                  <a:schemeClr val="tx1"/>
+                </a:solidFill>
+                <a:latin typeface="+mj-lt"/>
+                <a:ea typeface="+mj-ea"/>
+                <a:cs typeface="+mj-cs"/>
+              </a:rPr>
               <a:t>Next.js Framework</a:t>
             </a:r>
           </a:p>
@@ -4893,29 +5403,251 @@
       </p:sp>
       <p:sp>
         <p:nvSpPr>
-          <p:cNvPr id="3" name="Inhaltsplatzhalter 2">
-            <a:extLst>
-              <a:ext uri="{FF2B5EF4-FFF2-40B4-BE49-F238E27FC236}">
-                <a16:creationId xmlns:a16="http://schemas.microsoft.com/office/drawing/2014/main" id="{66741C0D-C3F1-B412-8962-E9C020C965F7}"/>
-              </a:ext>
-            </a:extLst>
-          </p:cNvPr>
-          <p:cNvSpPr>
-            <a:spLocks noGrp="1"/>
-          </p:cNvSpPr>
+          <p:cNvPr id="4" name="Inhaltsplatzhalter 2">
+            <a:extLst>
+              <a:ext uri="{FF2B5EF4-FFF2-40B4-BE49-F238E27FC236}">
+                <a16:creationId xmlns:a16="http://schemas.microsoft.com/office/drawing/2014/main" id="{EF7A5C07-BE00-E1C1-D8A4-C08113EEC095}"/>
+              </a:ext>
+            </a:extLst>
+          </p:cNvPr>
+          <p:cNvSpPr txBox="1">
+            <a:spLocks/>
+          </p:cNvSpPr>
+          <p:nvPr/>
+        </p:nvSpPr>
+        <p:spPr>
+          <a:xfrm>
+            <a:off x="1143001" y="2332028"/>
+            <a:ext cx="5115812" cy="3653035"/>
+          </a:xfrm>
+          <a:prstGeom prst="rect">
+            <a:avLst/>
+          </a:prstGeom>
+        </p:spPr>
+        <p:txBody>
+          <a:bodyPr vert="horz" lIns="91440" tIns="45720" rIns="91440" bIns="45720" rtlCol="0">
+            <a:normAutofit/>
+          </a:bodyPr>
+          <a:lstStyle>
+            <a:lvl1pPr marL="228600" indent="-228600" algn="l" defTabSz="914400" rtl="0" eaLnBrk="1" latinLnBrk="0" hangingPunct="1">
+              <a:lnSpc>
+                <a:spcPct val="120000"/>
+              </a:lnSpc>
+              <a:spcBef>
+                <a:spcPts val="1000"/>
+              </a:spcBef>
+              <a:buFont typeface="Arial" panose="020B0604020202020204" pitchFamily="34" charset="0"/>
+              <a:buChar char="•"/>
+              <a:defRPr sz="2000" kern="1200">
+                <a:solidFill>
+                  <a:schemeClr val="tx1"/>
+                </a:solidFill>
+                <a:latin typeface="+mn-lt"/>
+                <a:ea typeface="+mn-ea"/>
+                <a:cs typeface="+mn-cs"/>
+              </a:defRPr>
+            </a:lvl1pPr>
+            <a:lvl2pPr marL="228600" indent="0" algn="l" defTabSz="914400" rtl="0" eaLnBrk="1" latinLnBrk="0" hangingPunct="1">
+              <a:lnSpc>
+                <a:spcPct val="120000"/>
+              </a:lnSpc>
+              <a:spcBef>
+                <a:spcPts val="500"/>
+              </a:spcBef>
+              <a:buFontTx/>
+              <a:buNone/>
+              <a:defRPr sz="1800" i="1" kern="1200">
+                <a:solidFill>
+                  <a:schemeClr val="tx1"/>
+                </a:solidFill>
+                <a:latin typeface="+mn-lt"/>
+                <a:ea typeface="+mn-ea"/>
+                <a:cs typeface="+mn-cs"/>
+              </a:defRPr>
+            </a:lvl2pPr>
+            <a:lvl3pPr marL="457200" indent="-228600" algn="l" defTabSz="914400" rtl="0" eaLnBrk="1" latinLnBrk="0" hangingPunct="1">
+              <a:lnSpc>
+                <a:spcPct val="120000"/>
+              </a:lnSpc>
+              <a:spcBef>
+                <a:spcPts val="500"/>
+              </a:spcBef>
+              <a:buFont typeface="Arial" panose="020B0604020202020204" pitchFamily="34" charset="0"/>
+              <a:buChar char="•"/>
+              <a:defRPr sz="1600" kern="1200">
+                <a:solidFill>
+                  <a:schemeClr val="tx1"/>
+                </a:solidFill>
+                <a:latin typeface="+mn-lt"/>
+                <a:ea typeface="+mn-ea"/>
+                <a:cs typeface="+mn-cs"/>
+              </a:defRPr>
+            </a:lvl3pPr>
+            <a:lvl4pPr marL="502920" indent="0" algn="l" defTabSz="914400" rtl="0" eaLnBrk="1" latinLnBrk="0" hangingPunct="1">
+              <a:lnSpc>
+                <a:spcPct val="120000"/>
+              </a:lnSpc>
+              <a:spcBef>
+                <a:spcPts val="500"/>
+              </a:spcBef>
+              <a:buFontTx/>
+              <a:buNone/>
+              <a:defRPr sz="1400" i="1" kern="1200">
+                <a:solidFill>
+                  <a:schemeClr val="tx1"/>
+                </a:solidFill>
+                <a:latin typeface="+mn-lt"/>
+                <a:ea typeface="+mn-ea"/>
+                <a:cs typeface="+mn-cs"/>
+              </a:defRPr>
+            </a:lvl4pPr>
+            <a:lvl5pPr marL="731520" indent="-228600" algn="l" defTabSz="914400" rtl="0" eaLnBrk="1" latinLnBrk="0" hangingPunct="1">
+              <a:lnSpc>
+                <a:spcPct val="120000"/>
+              </a:lnSpc>
+              <a:spcBef>
+                <a:spcPts val="500"/>
+              </a:spcBef>
+              <a:buFont typeface="Arial" panose="020B0604020202020204" pitchFamily="34" charset="0"/>
+              <a:buChar char="•"/>
+              <a:defRPr sz="1400" kern="1200">
+                <a:solidFill>
+                  <a:schemeClr val="tx1"/>
+                </a:solidFill>
+                <a:latin typeface="+mn-lt"/>
+                <a:ea typeface="+mn-ea"/>
+                <a:cs typeface="+mn-cs"/>
+              </a:defRPr>
+            </a:lvl5pPr>
+            <a:lvl6pPr marL="2514600" indent="-228600" algn="l" defTabSz="914400" rtl="0" eaLnBrk="1" latinLnBrk="0" hangingPunct="1">
+              <a:lnSpc>
+                <a:spcPct val="90000"/>
+              </a:lnSpc>
+              <a:spcBef>
+                <a:spcPts val="500"/>
+              </a:spcBef>
+              <a:buFont typeface="Arial" panose="020B0604020202020204" pitchFamily="34" charset="0"/>
+              <a:buChar char="•"/>
+              <a:defRPr sz="1800" kern="1200">
+                <a:solidFill>
+                  <a:schemeClr val="tx1"/>
+                </a:solidFill>
+                <a:latin typeface="+mn-lt"/>
+                <a:ea typeface="+mn-ea"/>
+                <a:cs typeface="+mn-cs"/>
+              </a:defRPr>
+            </a:lvl6pPr>
+            <a:lvl7pPr marL="2971800" indent="-228600" algn="l" defTabSz="914400" rtl="0" eaLnBrk="1" latinLnBrk="0" hangingPunct="1">
+              <a:lnSpc>
+                <a:spcPct val="90000"/>
+              </a:lnSpc>
+              <a:spcBef>
+                <a:spcPts val="500"/>
+              </a:spcBef>
+              <a:buFont typeface="Arial" panose="020B0604020202020204" pitchFamily="34" charset="0"/>
+              <a:buChar char="•"/>
+              <a:defRPr sz="1800" kern="1200">
+                <a:solidFill>
+                  <a:schemeClr val="tx1"/>
+                </a:solidFill>
+                <a:latin typeface="+mn-lt"/>
+                <a:ea typeface="+mn-ea"/>
+                <a:cs typeface="+mn-cs"/>
+              </a:defRPr>
+            </a:lvl7pPr>
+            <a:lvl8pPr marL="3429000" indent="-228600" algn="l" defTabSz="914400" rtl="0" eaLnBrk="1" latinLnBrk="0" hangingPunct="1">
+              <a:lnSpc>
+                <a:spcPct val="90000"/>
+              </a:lnSpc>
+              <a:spcBef>
+                <a:spcPts val="500"/>
+              </a:spcBef>
+              <a:buFont typeface="Arial" panose="020B0604020202020204" pitchFamily="34" charset="0"/>
+              <a:buChar char="•"/>
+              <a:defRPr sz="1800" kern="1200">
+                <a:solidFill>
+                  <a:schemeClr val="tx1"/>
+                </a:solidFill>
+                <a:latin typeface="+mn-lt"/>
+                <a:ea typeface="+mn-ea"/>
+                <a:cs typeface="+mn-cs"/>
+              </a:defRPr>
+            </a:lvl8pPr>
+            <a:lvl9pPr marL="3886200" indent="-228600" algn="l" defTabSz="914400" rtl="0" eaLnBrk="1" latinLnBrk="0" hangingPunct="1">
+              <a:lnSpc>
+                <a:spcPct val="90000"/>
+              </a:lnSpc>
+              <a:spcBef>
+                <a:spcPts val="500"/>
+              </a:spcBef>
+              <a:buFont typeface="Arial" panose="020B0604020202020204" pitchFamily="34" charset="0"/>
+              <a:buChar char="•"/>
+              <a:defRPr sz="1800" kern="1200">
+                <a:solidFill>
+                  <a:schemeClr val="tx1"/>
+                </a:solidFill>
+                <a:latin typeface="+mn-lt"/>
+                <a:ea typeface="+mn-ea"/>
+                <a:cs typeface="+mn-cs"/>
+              </a:defRPr>
+            </a:lvl9pPr>
+          </a:lstStyle>
+          <a:p>
+            <a:r>
+              <a:rPr lang="en-US"/>
+              <a:t>Next.js ist ein React-Framework für die Entwicklung von Webanwendungen. Es wurde entwickelt, um die Entwicklung von React-Anwendungen zu vereinfachen, indem es einige der häufigsten Herausforderungen adressiert, die beim Aufbau von Single-Page-Anwendungen auftreten können. </a:t>
+            </a:r>
+          </a:p>
+        </p:txBody>
+      </p:sp>
+      <p:pic>
+        <p:nvPicPr>
+          <p:cNvPr id="1026" name="Picture 2" descr="Erste Schritte mit Next.js - mfg">
+            <a:extLst>
+              <a:ext uri="{FF2B5EF4-FFF2-40B4-BE49-F238E27FC236}">
+                <a16:creationId xmlns:a16="http://schemas.microsoft.com/office/drawing/2014/main" id="{DAF99F78-9FEE-539D-372F-EF95793916BB}"/>
+              </a:ext>
+            </a:extLst>
+          </p:cNvPr>
+          <p:cNvPicPr>
+            <a:picLocks noGrp="1" noChangeAspect="1" noChangeArrowheads="1"/>
+          </p:cNvPicPr>
           <p:nvPr>
             <p:ph idx="1"/>
           </p:nvPr>
-        </p:nvSpPr>
-        <p:spPr/>
-        <p:txBody>
-          <a:bodyPr/>
-          <a:lstStyle/>
-          <a:p>
-            <a:endParaRPr lang="de-DE"/>
-          </a:p>
-        </p:txBody>
-      </p:sp>
+        </p:nvPicPr>
+        <p:blipFill>
+          <a:blip r:embed="rId2">
+            <a:extLst>
+              <a:ext uri="{28A0092B-C50C-407E-A947-70E740481C1C}">
+                <a14:useLocalDpi xmlns:a14="http://schemas.microsoft.com/office/drawing/2010/main" val="0"/>
+              </a:ext>
+            </a:extLst>
+          </a:blip>
+          <a:stretch>
+            <a:fillRect/>
+          </a:stretch>
+        </p:blipFill>
+        <p:spPr bwMode="auto">
+          <a:xfrm>
+            <a:off x="8208960" y="3866667"/>
+            <a:ext cx="3530661" cy="2118396"/>
+          </a:xfrm>
+          <a:prstGeom prst="rect">
+            <a:avLst/>
+          </a:prstGeom>
+          <a:noFill/>
+          <a:extLst>
+            <a:ext uri="{909E8E84-426E-40DD-AFC4-6F175D3DCCD1}">
+              <a14:hiddenFill xmlns:a14="http://schemas.microsoft.com/office/drawing/2010/main">
+                <a:solidFill>
+                  <a:srgbClr val="FFFFFF"/>
+                </a:solidFill>
+              </a14:hiddenFill>
+            </a:ext>
+          </a:extLst>
+        </p:spPr>
+      </p:pic>
     </p:spTree>
     <p:extLst>
       <p:ext uri="{BB962C8B-B14F-4D97-AF65-F5344CB8AC3E}">
@@ -4995,7 +5727,46 @@
           <a:bodyPr/>
           <a:lstStyle/>
           <a:p>
-            <a:endParaRPr lang="de-DE"/>
+            <a:r>
+              <a:rPr lang="de-DE" dirty="0" err="1"/>
+              <a:t>IMDb</a:t>
+            </a:r>
+            <a:endParaRPr lang="de-DE" dirty="0"/>
+          </a:p>
+          <a:p>
+            <a:r>
+              <a:rPr lang="de-DE" dirty="0"/>
+              <a:t>Bücher API </a:t>
+            </a:r>
+            <a:r>
+              <a:rPr lang="de-DE" dirty="0" err="1"/>
+              <a:t>wosse</a:t>
+            </a:r>
+            <a:r>
+              <a:rPr lang="de-DE" dirty="0"/>
+              <a:t> </a:t>
+            </a:r>
+            <a:r>
+              <a:rPr lang="de-DE" dirty="0" err="1"/>
+              <a:t>ned</a:t>
+            </a:r>
+            <a:r>
+              <a:rPr lang="de-DE" dirty="0"/>
+              <a:t> welche </a:t>
+            </a:r>
+            <a:r>
+              <a:rPr lang="de-DE" dirty="0" err="1"/>
+              <a:t>ma</a:t>
+            </a:r>
+            <a:r>
+              <a:rPr lang="de-DE" dirty="0"/>
+              <a:t> </a:t>
+            </a:r>
+            <a:r>
+              <a:rPr lang="de-DE" dirty="0" err="1"/>
+              <a:t>nemman</a:t>
+            </a:r>
+            <a:endParaRPr lang="de-DE" dirty="0"/>
           </a:p>
         </p:txBody>
       </p:sp>
@@ -5078,7 +5849,37 @@
           <a:bodyPr/>
           <a:lstStyle/>
           <a:p>
-            <a:endParaRPr lang="de-DE"/>
+            <a:r>
+              <a:rPr lang="de-DE" dirty="0"/>
+              <a:t>Login funktioniert</a:t>
+            </a:r>
+          </a:p>
+          <a:p>
+            <a:r>
+              <a:rPr lang="de-DE" dirty="0"/>
+              <a:t>Oberfläche ist in Entwicklung</a:t>
+            </a:r>
+            <a:br>
+              <a:rPr lang="de-DE" dirty="0"/>
+            </a:br>
+            <a:endParaRPr lang="de-DE" dirty="0"/>
+          </a:p>
+          <a:p>
+            <a:pPr marL="0" indent="0">
+              <a:buNone/>
+            </a:pPr>
+            <a:r>
+              <a:rPr lang="de-DE" dirty="0"/>
+              <a:t>Screenshot </a:t>
+            </a:r>
+            <a:r>
+              <a:rPr lang="de-DE" dirty="0" err="1"/>
+              <a:t>fu</a:t>
+            </a:r>
+            <a:r>
+              <a:rPr lang="de-DE" dirty="0"/>
+              <a:t> Login und Oberfläche</a:t>
+            </a:r>
           </a:p>
         </p:txBody>
       </p:sp>
@@ -5161,7 +5962,30 @@
           <a:bodyPr/>
           <a:lstStyle/>
           <a:p>
-            <a:endParaRPr lang="de-DE"/>
+            <a:r>
+              <a:rPr lang="de-DE" dirty="0" err="1"/>
+              <a:t>Irgwendwelche</a:t>
+            </a:r>
+            <a:r>
+              <a:rPr lang="de-DE" dirty="0"/>
+              <a:t> Punkte </a:t>
+            </a:r>
+            <a:r>
+              <a:rPr lang="de-DE" dirty="0" err="1"/>
+              <a:t>us</a:t>
+            </a:r>
+            <a:r>
+              <a:rPr lang="de-DE" dirty="0"/>
+              <a:t> unserem Backlog </a:t>
+            </a:r>
+            <a:r>
+              <a:rPr lang="de-DE" dirty="0" err="1"/>
+              <a:t>oda</a:t>
+            </a:r>
+            <a:r>
+              <a:rPr lang="de-DE" dirty="0"/>
+              <a:t> Sprint Backlog</a:t>
+            </a:r>
           </a:p>
         </p:txBody>
       </p:sp>

--- a/ScreenTale/Projektmanagement/Zwischenpräsentation_14_12_2023.pptx
+++ b/ScreenTale/Projektmanagement/Zwischenpräsentation_14_12_2023.pptx
@@ -468,7 +468,7 @@
           <a:p>
             <a:fld id="{3CADBD16-5BFB-4D9F-9646-C75D1B53BBB6}" type="datetimeFigureOut">
               <a:rPr lang="en-US" smtClean="0"/>
-              <a:t>12/14/2023</a:t>
+              <a:t>12/19/2023</a:t>
             </a:fld>
             <a:endParaRPr lang="en-US"/>
           </a:p>
@@ -709,7 +709,7 @@
           <a:p>
             <a:fld id="{3CADBD16-5BFB-4D9F-9646-C75D1B53BBB6}" type="datetimeFigureOut">
               <a:rPr lang="en-US" smtClean="0"/>
-              <a:t>12/14/2023</a:t>
+              <a:t>12/19/2023</a:t>
             </a:fld>
             <a:endParaRPr lang="en-US"/>
           </a:p>
@@ -917,7 +917,7 @@
           <a:p>
             <a:fld id="{3CADBD16-5BFB-4D9F-9646-C75D1B53BBB6}" type="datetimeFigureOut">
               <a:rPr lang="en-US" smtClean="0"/>
-              <a:t>12/14/2023</a:t>
+              <a:t>12/19/2023</a:t>
             </a:fld>
             <a:endParaRPr lang="en-US"/>
           </a:p>
@@ -1115,7 +1115,7 @@
           <a:p>
             <a:fld id="{3CADBD16-5BFB-4D9F-9646-C75D1B53BBB6}" type="datetimeFigureOut">
               <a:rPr lang="en-US" smtClean="0"/>
-              <a:t>12/14/2023</a:t>
+              <a:t>12/19/2023</a:t>
             </a:fld>
             <a:endParaRPr lang="en-US"/>
           </a:p>
@@ -1392,7 +1392,7 @@
           <a:p>
             <a:fld id="{3CADBD16-5BFB-4D9F-9646-C75D1B53BBB6}" type="datetimeFigureOut">
               <a:rPr lang="en-US" smtClean="0"/>
-              <a:t>12/14/2023</a:t>
+              <a:t>12/19/2023</a:t>
             </a:fld>
             <a:endParaRPr lang="en-US"/>
           </a:p>
@@ -1657,7 +1657,7 @@
           <a:p>
             <a:fld id="{3CADBD16-5BFB-4D9F-9646-C75D1B53BBB6}" type="datetimeFigureOut">
               <a:rPr lang="en-US" smtClean="0"/>
-              <a:t>12/14/2023</a:t>
+              <a:t>12/19/2023</a:t>
             </a:fld>
             <a:endParaRPr lang="en-US"/>
           </a:p>
@@ -2073,7 +2073,7 @@
           <a:p>
             <a:fld id="{3CADBD16-5BFB-4D9F-9646-C75D1B53BBB6}" type="datetimeFigureOut">
               <a:rPr lang="en-US" smtClean="0"/>
-              <a:t>12/14/2023</a:t>
+              <a:t>12/19/2023</a:t>
             </a:fld>
             <a:endParaRPr lang="en-US"/>
           </a:p>
@@ -2223,7 +2223,7 @@
           <a:p>
             <a:fld id="{3CADBD16-5BFB-4D9F-9646-C75D1B53BBB6}" type="datetimeFigureOut">
               <a:rPr lang="en-US" smtClean="0"/>
-              <a:t>12/14/2023</a:t>
+              <a:t>12/19/2023</a:t>
             </a:fld>
             <a:endParaRPr lang="en-US"/>
           </a:p>
@@ -2336,7 +2336,7 @@
           <a:p>
             <a:fld id="{3CADBD16-5BFB-4D9F-9646-C75D1B53BBB6}" type="datetimeFigureOut">
               <a:rPr lang="en-US" smtClean="0"/>
-              <a:t>12/14/2023</a:t>
+              <a:t>12/19/2023</a:t>
             </a:fld>
             <a:endParaRPr lang="en-US"/>
           </a:p>
@@ -2652,7 +2652,7 @@
           <a:p>
             <a:fld id="{3CADBD16-5BFB-4D9F-9646-C75D1B53BBB6}" type="datetimeFigureOut">
               <a:rPr lang="en-US" smtClean="0"/>
-              <a:t>12/14/2023</a:t>
+              <a:t>12/19/2023</a:t>
             </a:fld>
             <a:endParaRPr lang="en-US"/>
           </a:p>
@@ -2903,7 +2903,7 @@
           <a:p>
             <a:fld id="{3CADBD16-5BFB-4D9F-9646-C75D1B53BBB6}" type="datetimeFigureOut">
               <a:rPr lang="en-US" smtClean="0"/>
-              <a:t>12/14/2023</a:t>
+              <a:t>12/19/2023</a:t>
             </a:fld>
             <a:endParaRPr lang="en-US"/>
           </a:p>
@@ -3412,7 +3412,7 @@
             <a:fld id="{3CADBD16-5BFB-4D9F-9646-C75D1B53BBB6}" type="datetimeFigureOut">
               <a:rPr lang="en-US" smtClean="0"/>
               <a:pPr/>
-              <a:t>12/14/2023</a:t>
+              <a:t>12/19/2023</a:t>
             </a:fld>
             <a:endParaRPr lang="en-US" dirty="0"/>
           </a:p>
@@ -4540,34 +4540,8 @@
           </a:p>
           <a:p>
             <a:r>
-              <a:rPr lang="de-DE" dirty="0"/>
+              <a:rPr lang="de-DE"/>
               <a:t>Nächste Schritte</a:t>
-            </a:r>
-          </a:p>
-          <a:p>
-            <a:r>
-              <a:rPr lang="de-DE" dirty="0"/>
-              <a:t>(Eventuell Zeitplan) und Mockup </a:t>
-            </a:r>
-            <a:r>
-              <a:rPr lang="de-DE" dirty="0" err="1"/>
-              <a:t>gfallt</a:t>
-            </a:r>
-            <a:r>
-              <a:rPr lang="de-DE" dirty="0"/>
-              <a:t> am Leeb </a:t>
-            </a:r>
-            <a:r>
-              <a:rPr lang="de-DE" dirty="0" err="1"/>
-              <a:t>imma</a:t>
-            </a:r>
-            <a:r>
-              <a:rPr lang="de-DE" dirty="0"/>
-              <a:t> </a:t>
-            </a:r>
-            <a:r>
-              <a:rPr lang="de-DE" dirty="0" err="1"/>
-              <a:t>guat</a:t>
             </a:r>
             <a:endParaRPr lang="de-DE" dirty="0"/>
           </a:p>
@@ -5735,36 +5709,15 @@
           </a:p>
           <a:p>
             <a:r>
-              <a:rPr lang="de-DE" dirty="0"/>
-              <a:t>Bücher API </a:t>
-            </a:r>
-            <a:r>
               <a:rPr lang="de-DE" dirty="0" err="1"/>
-              <a:t>wosse</a:t>
-            </a:r>
-            <a:r>
-              <a:rPr lang="de-DE" dirty="0"/>
-              <a:t> </a:t>
-            </a:r>
+              <a:t>isbnDB</a:t>
+            </a:r>
+            <a:endParaRPr lang="de-DE" dirty="0"/>
+          </a:p>
+          <a:p>
             <a:r>
               <a:rPr lang="de-DE" dirty="0" err="1"/>
-              <a:t>ned</a:t>
-            </a:r>
-            <a:r>
-              <a:rPr lang="de-DE" dirty="0"/>
-              <a:t> welche </a:t>
-            </a:r>
-            <a:r>
-              <a:rPr lang="de-DE" dirty="0" err="1"/>
-              <a:t>ma</a:t>
-            </a:r>
-            <a:r>
-              <a:rPr lang="de-DE" dirty="0"/>
-              <a:t> </a:t>
-            </a:r>
-            <a:r>
-              <a:rPr lang="de-DE" dirty="0" err="1"/>
-              <a:t>nemman</a:t>
+              <a:t>GoogleBooks</a:t>
             </a:r>
             <a:endParaRPr lang="de-DE" dirty="0"/>
           </a:p>
@@ -5786,6 +5739,14 @@
 <file path=ppt/slides/slide7.xml><?xml version="1.0" encoding="utf-8"?>
 <p:sld xmlns:a="http://schemas.openxmlformats.org/drawingml/2006/main" xmlns:r="http://schemas.openxmlformats.org/officeDocument/2006/relationships" xmlns:p="http://schemas.openxmlformats.org/presentationml/2006/main">
   <p:cSld>
+    <p:bg>
+      <p:bgPr>
+        <a:solidFill>
+          <a:schemeClr val="bg1"/>
+        </a:solidFill>
+        <a:effectLst/>
+      </p:bgPr>
+    </p:bg>
     <p:spTree>
       <p:nvGrpSpPr>
         <p:cNvPr id="1" name=""/>
@@ -5800,6 +5761,138 @@
           <a:chExt cx="0" cy="0"/>
         </a:xfrm>
       </p:grpSpPr>
+      <p:sp useBgFill="1">
+        <p:nvSpPr>
+          <p:cNvPr id="19" name="Rectangle 16">
+            <a:extLst>
+              <a:ext uri="{FF2B5EF4-FFF2-40B4-BE49-F238E27FC236}">
+                <a16:creationId xmlns:a16="http://schemas.microsoft.com/office/drawing/2014/main" id="{685B57F6-59DE-4274-A37C-F47FE4E42EEF}"/>
+              </a:ext>
+              <a:ext uri="{C183D7F6-B498-43B3-948B-1728B52AA6E4}">
+                <adec:decorative xmlns:adec="http://schemas.microsoft.com/office/drawing/2017/decorative" val="1"/>
+              </a:ext>
+            </a:extLst>
+          </p:cNvPr>
+          <p:cNvSpPr>
+            <a:spLocks noGrp="1" noRot="1" noChangeAspect="1" noMove="1" noResize="1" noEditPoints="1" noAdjustHandles="1" noChangeArrowheads="1" noChangeShapeType="1" noTextEdit="1"/>
+          </p:cNvSpPr>
+          <p:nvPr>
+            <p:extLst>
+              <p:ext uri="{386F3935-93C4-4BCD-93E2-E3B085C9AB24}">
+                <p16:designElem xmlns:p16="http://schemas.microsoft.com/office/powerpoint/2015/main" val="1"/>
+              </p:ext>
+            </p:extLst>
+          </p:nvPr>
+        </p:nvSpPr>
+        <p:spPr>
+          <a:xfrm>
+            <a:off x="0" y="0"/>
+            <a:ext cx="12192000" cy="6858000"/>
+          </a:xfrm>
+          <a:prstGeom prst="rect">
+            <a:avLst/>
+          </a:prstGeom>
+          <a:ln w="12700" cap="flat" cmpd="sng" algn="ctr">
+            <a:noFill/>
+            <a:prstDash val="solid"/>
+            <a:miter lim="800000"/>
+          </a:ln>
+          <a:effectLst/>
+          <a:extLst>
+            <a:ext uri="{91240B29-F687-4F45-9708-019B960494DF}">
+              <a14:hiddenLine xmlns:a14="http://schemas.microsoft.com/office/drawing/2010/main" w="12700" cap="flat" cmpd="sng" algn="ctr">
+                <a:solidFill>
+                  <a:schemeClr val="accent1">
+                    <a:shade val="50000"/>
+                  </a:schemeClr>
+                </a:solidFill>
+                <a:prstDash val="solid"/>
+                <a:miter lim="800000"/>
+              </a14:hiddenLine>
+            </a:ext>
+          </a:extLst>
+        </p:spPr>
+        <p:style>
+          <a:lnRef idx="2">
+            <a:schemeClr val="accent1">
+              <a:shade val="50000"/>
+            </a:schemeClr>
+          </a:lnRef>
+          <a:fillRef idx="1">
+            <a:schemeClr val="accent1"/>
+          </a:fillRef>
+          <a:effectRef idx="0">
+            <a:schemeClr val="accent1"/>
+          </a:effectRef>
+          <a:fontRef idx="minor">
+            <a:schemeClr val="lt1"/>
+          </a:fontRef>
+        </p:style>
+        <p:txBody>
+          <a:bodyPr rtlCol="0" anchor="ctr"/>
+          <a:lstStyle/>
+          <a:p>
+            <a:pPr algn="ctr"/>
+            <a:endParaRPr lang="en-US"/>
+          </a:p>
+        </p:txBody>
+      </p:sp>
+      <p:pic>
+        <p:nvPicPr>
+          <p:cNvPr id="7" name="Grafik 6">
+            <a:extLst>
+              <a:ext uri="{FF2B5EF4-FFF2-40B4-BE49-F238E27FC236}">
+                <a16:creationId xmlns:a16="http://schemas.microsoft.com/office/drawing/2014/main" id="{9267943D-CD85-B02E-49F5-5ABE030919C6}"/>
+              </a:ext>
+            </a:extLst>
+          </p:cNvPr>
+          <p:cNvPicPr>
+            <a:picLocks noChangeAspect="1"/>
+          </p:cNvPicPr>
+          <p:nvPr/>
+        </p:nvPicPr>
+        <p:blipFill rotWithShape="1">
+          <a:blip r:embed="rId2"/>
+          <a:srcRect l="1106" r="2" b="2"/>
+          <a:stretch/>
+        </p:blipFill>
+        <p:spPr>
+          <a:xfrm>
+            <a:off x="511246" y="3429010"/>
+            <a:ext cx="7452882" cy="3428990"/>
+          </a:xfrm>
+          <a:custGeom>
+            <a:avLst/>
+            <a:gdLst/>
+            <a:ahLst/>
+            <a:cxnLst/>
+            <a:rect l="l" t="t" r="r" b="b"/>
+            <a:pathLst>
+              <a:path w="7452882" h="3429000">
+                <a:moveTo>
+                  <a:pt x="3005297" y="0"/>
+                </a:moveTo>
+                <a:lnTo>
+                  <a:pt x="7452882" y="0"/>
+                </a:lnTo>
+                <a:lnTo>
+                  <a:pt x="4447586" y="3429000"/>
+                </a:lnTo>
+                <a:lnTo>
+                  <a:pt x="2229335" y="3429000"/>
+                </a:lnTo>
+                <a:lnTo>
+                  <a:pt x="2218251" y="3429000"/>
+                </a:lnTo>
+                <a:lnTo>
+                  <a:pt x="0" y="3429000"/>
+                </a:lnTo>
+                <a:close/>
+              </a:path>
+            </a:pathLst>
+          </a:custGeom>
+        </p:spPr>
+      </p:pic>
       <p:sp>
         <p:nvSpPr>
           <p:cNvPr id="2" name="Titel 1">
@@ -5816,18 +5909,82 @@
             <p:ph type="title"/>
           </p:nvPr>
         </p:nvSpPr>
-        <p:spPr/>
-        <p:txBody>
-          <a:bodyPr/>
-          <a:lstStyle/>
-          <a:p>
-            <a:r>
-              <a:rPr lang="de-DE" dirty="0"/>
+        <p:spPr>
+          <a:xfrm>
+            <a:off x="1143000" y="1203678"/>
+            <a:ext cx="3876793" cy="2065020"/>
+          </a:xfrm>
+        </p:spPr>
+        <p:txBody>
+          <a:bodyPr anchor="t">
+            <a:normAutofit/>
+          </a:bodyPr>
+          <a:lstStyle/>
+          <a:p>
+            <a:r>
+              <a:rPr lang="de-DE"/>
               <a:t>Aktueller Stand</a:t>
             </a:r>
-          </a:p>
-        </p:txBody>
-      </p:sp>
+            <a:endParaRPr lang="de-DE" dirty="0"/>
+          </a:p>
+        </p:txBody>
+      </p:sp>
+      <p:pic>
+        <p:nvPicPr>
+          <p:cNvPr id="5" name="Grafik 4">
+            <a:extLst>
+              <a:ext uri="{FF2B5EF4-FFF2-40B4-BE49-F238E27FC236}">
+                <a16:creationId xmlns:a16="http://schemas.microsoft.com/office/drawing/2014/main" id="{B056CA39-1CB2-CA98-6BAC-A9E7387D7127}"/>
+              </a:ext>
+            </a:extLst>
+          </p:cNvPr>
+          <p:cNvPicPr>
+            <a:picLocks noChangeAspect="1"/>
+          </p:cNvPicPr>
+          <p:nvPr/>
+        </p:nvPicPr>
+        <p:blipFill rotWithShape="1">
+          <a:blip r:embed="rId3"/>
+          <a:srcRect l="933" r="718" b="1"/>
+          <a:stretch/>
+        </p:blipFill>
+        <p:spPr>
+          <a:xfrm>
+            <a:off x="3522562" y="2442"/>
+            <a:ext cx="7452882" cy="3429000"/>
+          </a:xfrm>
+          <a:custGeom>
+            <a:avLst/>
+            <a:gdLst/>
+            <a:ahLst/>
+            <a:cxnLst/>
+            <a:rect l="l" t="t" r="r" b="b"/>
+            <a:pathLst>
+              <a:path w="7452882" h="3429000">
+                <a:moveTo>
+                  <a:pt x="3005297" y="0"/>
+                </a:moveTo>
+                <a:lnTo>
+                  <a:pt x="7452882" y="0"/>
+                </a:lnTo>
+                <a:lnTo>
+                  <a:pt x="4447586" y="3429000"/>
+                </a:lnTo>
+                <a:lnTo>
+                  <a:pt x="2229335" y="3429000"/>
+                </a:lnTo>
+                <a:lnTo>
+                  <a:pt x="2218251" y="3429000"/>
+                </a:lnTo>
+                <a:lnTo>
+                  <a:pt x="0" y="3429000"/>
+                </a:lnTo>
+                <a:close/>
+              </a:path>
+            </a:pathLst>
+          </a:custGeom>
+        </p:spPr>
+      </p:pic>
       <p:sp>
         <p:nvSpPr>
           <p:cNvPr id="3" name="Inhaltsplatzhalter 2">
@@ -5844,17 +6001,27 @@
             <p:ph idx="1"/>
           </p:nvPr>
         </p:nvSpPr>
-        <p:spPr/>
-        <p:txBody>
-          <a:bodyPr/>
-          <a:lstStyle/>
-          <a:p>
+        <p:spPr>
+          <a:xfrm>
+            <a:off x="7964128" y="3429000"/>
+            <a:ext cx="3084871" cy="2743200"/>
+          </a:xfrm>
+        </p:spPr>
+        <p:txBody>
+          <a:bodyPr anchor="b">
+            <a:normAutofit/>
+          </a:bodyPr>
+          <a:lstStyle/>
+          <a:p>
+            <a:pPr algn="r"/>
             <a:r>
               <a:rPr lang="de-DE" dirty="0"/>
               <a:t>Login funktioniert</a:t>
             </a:r>
-          </a:p>
-          <a:p>
+            <a:endParaRPr lang="de-DE"/>
+          </a:p>
+          <a:p>
+            <a:pPr algn="r"/>
             <a:r>
               <a:rPr lang="de-DE" dirty="0"/>
               <a:t>Oberfläche ist in Entwicklung</a:t>
@@ -5862,24 +6029,13 @@
             <a:br>
               <a:rPr lang="de-DE" dirty="0"/>
             </a:br>
-            <a:endParaRPr lang="de-DE" dirty="0"/>
-          </a:p>
-          <a:p>
-            <a:pPr marL="0" indent="0">
+            <a:endParaRPr lang="de-DE"/>
+          </a:p>
+          <a:p>
+            <a:pPr marL="0" indent="0" algn="r">
               <a:buNone/>
             </a:pPr>
-            <a:r>
-              <a:rPr lang="de-DE" dirty="0"/>
-              <a:t>Screenshot </a:t>
-            </a:r>
-            <a:r>
-              <a:rPr lang="de-DE" dirty="0" err="1"/>
-              <a:t>fu</a:t>
-            </a:r>
-            <a:r>
-              <a:rPr lang="de-DE" dirty="0"/>
-              <a:t> Login und Oberfläche</a:t>
-            </a:r>
+            <a:endParaRPr lang="de-DE"/>
           </a:p>
         </p:txBody>
       </p:sp>
@@ -5963,28 +6119,20 @@
           <a:lstStyle/>
           <a:p>
             <a:r>
-              <a:rPr lang="de-DE" dirty="0" err="1"/>
-              <a:t>Irgwendwelche</a:t>
-            </a:r>
-            <a:r>
               <a:rPr lang="de-DE" dirty="0"/>
-              <a:t> Punkte </a:t>
-            </a:r>
-            <a:r>
-              <a:rPr lang="de-DE" dirty="0" err="1"/>
-              <a:t>us</a:t>
-            </a:r>
+              <a:t>Anbindung APIs</a:t>
+            </a:r>
+          </a:p>
+          <a:p>
             <a:r>
               <a:rPr lang="de-DE" dirty="0"/>
-              <a:t> unserem Backlog </a:t>
-            </a:r>
-            <a:r>
-              <a:rPr lang="de-DE" dirty="0" err="1"/>
-              <a:t>oda</a:t>
-            </a:r>
+              <a:t>Design</a:t>
+            </a:r>
+          </a:p>
+          <a:p>
             <a:r>
               <a:rPr lang="de-DE" dirty="0"/>
-              <a:t> Sprint Backlog</a:t>
+              <a:t>Speicherung in Datenbank</a:t>
             </a:r>
           </a:p>
         </p:txBody>

--- a/ScreenTale/Projektmanagement/Zwischenpräsentation_14_12_2023.pptx
+++ b/ScreenTale/Projektmanagement/Zwischenpräsentation_14_12_2023.pptx
@@ -4745,6 +4745,60 @@
           </a:sp3d>
         </p:spPr>
       </p:pic>
+      <p:pic>
+        <p:nvPicPr>
+          <p:cNvPr id="6" name="Grafik 5">
+            <a:extLst>
+              <a:ext uri="{FF2B5EF4-FFF2-40B4-BE49-F238E27FC236}">
+                <a16:creationId xmlns:a16="http://schemas.microsoft.com/office/drawing/2014/main" id="{E6A3728C-C762-0F87-2F51-54B27AF5E05B}"/>
+              </a:ext>
+            </a:extLst>
+          </p:cNvPr>
+          <p:cNvPicPr>
+            <a:picLocks noChangeAspect="1"/>
+          </p:cNvPicPr>
+          <p:nvPr/>
+        </p:nvPicPr>
+        <p:blipFill>
+          <a:blip r:embed="rId3"/>
+          <a:stretch>
+            <a:fillRect/>
+          </a:stretch>
+        </p:blipFill>
+        <p:spPr>
+          <a:xfrm>
+            <a:off x="2370106" y="3319184"/>
+            <a:ext cx="2137812" cy="2609968"/>
+          </a:xfrm>
+          <a:prstGeom prst="roundRect">
+            <a:avLst>
+              <a:gd name="adj" fmla="val 16667"/>
+            </a:avLst>
+          </a:prstGeom>
+          <a:ln>
+            <a:noFill/>
+          </a:ln>
+          <a:effectLst>
+            <a:outerShdw blurRad="76200" dist="38100" dir="7800000" algn="tl" rotWithShape="0">
+              <a:srgbClr val="000000">
+                <a:alpha val="40000"/>
+              </a:srgbClr>
+            </a:outerShdw>
+          </a:effectLst>
+          <a:scene3d>
+            <a:camera prst="orthographicFront"/>
+            <a:lightRig rig="contrasting" dir="t">
+              <a:rot lat="0" lon="0" rev="4200000"/>
+            </a:lightRig>
+          </a:scene3d>
+          <a:sp3d prstMaterial="plastic">
+            <a:bevelT w="381000" h="114300" prst="relaxedInset"/>
+            <a:contourClr>
+              <a:srgbClr val="969696"/>
+            </a:contourClr>
+          </a:sp3d>
+        </p:spPr>
+      </p:pic>
     </p:spTree>
     <p:extLst>
       <p:ext uri="{BB962C8B-B14F-4D97-AF65-F5344CB8AC3E}">

--- a/ScreenTale/Projektmanagement/Zwischenpräsentation_14_12_2023.pptx
+++ b/ScreenTale/Projektmanagement/Zwischenpräsentation_14_12_2023.pptx
@@ -4887,40 +4887,28 @@
           <a:p>
             <a:r>
               <a:rPr lang="de-DE" dirty="0"/>
-              <a:t>Universelle Medienverwaltung:</a:t>
-            </a:r>
-            <a:br>
-              <a:rPr lang="de-DE" dirty="0"/>
-            </a:br>
-            <a:r>
-              <a:rPr lang="de-DE" dirty="0"/>
-              <a:t>Benutzer können ihre Filme, TV-Serien, Musikalben, Bücher und Spiele in einer einzigen Anwendung verwalten.</a:t>
-            </a:r>
-          </a:p>
-          <a:p>
-            <a:r>
-              <a:rPr lang="de-DE" dirty="0"/>
-              <a:t>Intuitive Benutzeroberfläche:</a:t>
-            </a:r>
-            <a:br>
-              <a:rPr lang="de-DE" dirty="0"/>
-            </a:br>
+              <a:t>Benutzer können ihre Filme, TV-Serien, Bücher in einer einzigen Anwendung verwalten.</a:t>
+            </a:r>
+          </a:p>
+          <a:p>
+            <a:endParaRPr lang="de-DE" dirty="0"/>
+          </a:p>
+          <a:p>
             <a:r>
               <a:rPr lang="de-DE" dirty="0"/>
               <a:t>Eine benutzerfreundliche und ansprechende Oberfläche erleichtert die Navigation und Nutzung der Anwendung.</a:t>
             </a:r>
           </a:p>
           <a:p>
+            <a:pPr marL="0" indent="0">
+              <a:buNone/>
+            </a:pPr>
+            <a:endParaRPr lang="de-DE" dirty="0"/>
+          </a:p>
+          <a:p>
             <a:r>
               <a:rPr lang="de-DE" dirty="0"/>
-              <a:t>Metadatenintegration:</a:t>
-            </a:r>
-            <a:br>
-              <a:rPr lang="de-DE" dirty="0"/>
-            </a:br>
-            <a:r>
-              <a:rPr lang="de-DE" dirty="0"/>
-              <a:t>Automatische Integration von Metadaten wie Filmtiteln, Albumcovern und Buchbeschreibungen für eine detailreiche Medienbibliothek.</a:t>
+              <a:t>(Empfehlungssystem)</a:t>
             </a:r>
           </a:p>
         </p:txBody>
@@ -5692,6 +5680,14 @@
 <file path=ppt/slides/slide6.xml><?xml version="1.0" encoding="utf-8"?>
 <p:sld xmlns:a="http://schemas.openxmlformats.org/drawingml/2006/main" xmlns:r="http://schemas.openxmlformats.org/officeDocument/2006/relationships" xmlns:p="http://schemas.openxmlformats.org/presentationml/2006/main">
   <p:cSld>
+    <p:bg>
+      <p:bgPr>
+        <a:solidFill>
+          <a:schemeClr val="bg1"/>
+        </a:solidFill>
+        <a:effectLst/>
+      </p:bgPr>
+    </p:bg>
     <p:spTree>
       <p:nvGrpSpPr>
         <p:cNvPr id="1" name=""/>
@@ -5706,6 +5702,82 @@
           <a:chExt cx="0" cy="0"/>
         </a:xfrm>
       </p:grpSpPr>
+      <p:sp useBgFill="1">
+        <p:nvSpPr>
+          <p:cNvPr id="1043" name="Rectangle 1040">
+            <a:extLst>
+              <a:ext uri="{FF2B5EF4-FFF2-40B4-BE49-F238E27FC236}">
+                <a16:creationId xmlns:a16="http://schemas.microsoft.com/office/drawing/2014/main" id="{5D3B97D3-3894-4963-90C5-4EAA66131938}"/>
+              </a:ext>
+              <a:ext uri="{C183D7F6-B498-43B3-948B-1728B52AA6E4}">
+                <adec:decorative xmlns:adec="http://schemas.microsoft.com/office/drawing/2017/decorative" val="1"/>
+              </a:ext>
+            </a:extLst>
+          </p:cNvPr>
+          <p:cNvSpPr>
+            <a:spLocks noGrp="1" noRot="1" noChangeAspect="1" noMove="1" noResize="1" noEditPoints="1" noAdjustHandles="1" noChangeArrowheads="1" noChangeShapeType="1" noTextEdit="1"/>
+          </p:cNvSpPr>
+          <p:nvPr>
+            <p:extLst>
+              <p:ext uri="{386F3935-93C4-4BCD-93E2-E3B085C9AB24}">
+                <p16:designElem xmlns:p16="http://schemas.microsoft.com/office/powerpoint/2015/main" val="1"/>
+              </p:ext>
+            </p:extLst>
+          </p:nvPr>
+        </p:nvSpPr>
+        <p:spPr>
+          <a:xfrm>
+            <a:off x="0" y="0"/>
+            <a:ext cx="12192000" cy="6858000"/>
+          </a:xfrm>
+          <a:prstGeom prst="rect">
+            <a:avLst/>
+          </a:prstGeom>
+          <a:ln w="12700" cap="flat" cmpd="sng" algn="ctr">
+            <a:noFill/>
+            <a:prstDash val="solid"/>
+            <a:miter lim="800000"/>
+          </a:ln>
+          <a:effectLst/>
+          <a:extLst>
+            <a:ext uri="{91240B29-F687-4F45-9708-019B960494DF}">
+              <a14:hiddenLine xmlns:a14="http://schemas.microsoft.com/office/drawing/2010/main" w="12700" cap="flat" cmpd="sng" algn="ctr">
+                <a:solidFill>
+                  <a:schemeClr val="accent1">
+                    <a:shade val="50000"/>
+                  </a:schemeClr>
+                </a:solidFill>
+                <a:prstDash val="solid"/>
+                <a:miter lim="800000"/>
+              </a14:hiddenLine>
+            </a:ext>
+          </a:extLst>
+        </p:spPr>
+        <p:style>
+          <a:lnRef idx="2">
+            <a:schemeClr val="accent1">
+              <a:shade val="50000"/>
+            </a:schemeClr>
+          </a:lnRef>
+          <a:fillRef idx="1">
+            <a:schemeClr val="accent1"/>
+          </a:fillRef>
+          <a:effectRef idx="0">
+            <a:schemeClr val="accent1"/>
+          </a:effectRef>
+          <a:fontRef idx="minor">
+            <a:schemeClr val="lt1"/>
+          </a:fontRef>
+        </p:style>
+        <p:txBody>
+          <a:bodyPr rtlCol="0" anchor="ctr"/>
+          <a:lstStyle/>
+          <a:p>
+            <a:pPr algn="ctr"/>
+            <a:endParaRPr lang="en-US"/>
+          </a:p>
+        </p:txBody>
+      </p:sp>
       <p:sp>
         <p:nvSpPr>
           <p:cNvPr id="2" name="Titel 1">
@@ -5722,18 +5794,164 @@
             <p:ph type="title"/>
           </p:nvPr>
         </p:nvSpPr>
-        <p:spPr/>
-        <p:txBody>
-          <a:bodyPr/>
-          <a:lstStyle/>
-          <a:p>
-            <a:r>
-              <a:rPr lang="de-DE" dirty="0"/>
+        <p:spPr>
+          <a:xfrm>
+            <a:off x="5250873" y="872935"/>
+            <a:ext cx="5798126" cy="1360898"/>
+          </a:xfrm>
+        </p:spPr>
+        <p:txBody>
+          <a:bodyPr>
+            <a:normAutofit/>
+          </a:bodyPr>
+          <a:lstStyle/>
+          <a:p>
+            <a:r>
+              <a:rPr lang="de-DE"/>
               <a:t>APIs</a:t>
             </a:r>
-          </a:p>
-        </p:txBody>
-      </p:sp>
+            <a:endParaRPr lang="de-DE" dirty="0"/>
+          </a:p>
+        </p:txBody>
+      </p:sp>
+      <p:pic>
+        <p:nvPicPr>
+          <p:cNvPr id="1026" name="Picture 2" descr="Google Play Books - Wikipedia">
+            <a:extLst>
+              <a:ext uri="{FF2B5EF4-FFF2-40B4-BE49-F238E27FC236}">
+                <a16:creationId xmlns:a16="http://schemas.microsoft.com/office/drawing/2014/main" id="{D19CF8D4-8227-99A3-9975-01573132B5D8}"/>
+              </a:ext>
+            </a:extLst>
+          </p:cNvPr>
+          <p:cNvPicPr>
+            <a:picLocks noChangeAspect="1" noChangeArrowheads="1"/>
+          </p:cNvPicPr>
+          <p:nvPr/>
+        </p:nvPicPr>
+        <p:blipFill>
+          <a:blip r:embed="rId2">
+            <a:extLst>
+              <a:ext uri="{28A0092B-C50C-407E-A947-70E740481C1C}">
+                <a14:useLocalDpi xmlns:a14="http://schemas.microsoft.com/office/drawing/2010/main" val="0"/>
+              </a:ext>
+            </a:extLst>
+          </a:blip>
+          <a:stretch>
+            <a:fillRect/>
+          </a:stretch>
+        </p:blipFill>
+        <p:spPr bwMode="auto">
+          <a:xfrm>
+            <a:off x="2218352" y="899311"/>
+            <a:ext cx="1399525" cy="1585244"/>
+          </a:xfrm>
+          <a:prstGeom prst="rect">
+            <a:avLst/>
+          </a:prstGeom>
+          <a:noFill/>
+          <a:extLst>
+            <a:ext uri="{909E8E84-426E-40DD-AFC4-6F175D3DCCD1}">
+              <a14:hiddenFill xmlns:a14="http://schemas.microsoft.com/office/drawing/2010/main">
+                <a:solidFill>
+                  <a:srgbClr val="FFFFFF"/>
+                </a:solidFill>
+              </a14:hiddenFill>
+            </a:ext>
+          </a:extLst>
+        </p:spPr>
+      </p:pic>
+      <p:pic>
+        <p:nvPicPr>
+          <p:cNvPr id="1028" name="Picture 4" descr="Free Online Subscription to New York Times | College of Computing Advising">
+            <a:extLst>
+              <a:ext uri="{FF2B5EF4-FFF2-40B4-BE49-F238E27FC236}">
+                <a16:creationId xmlns:a16="http://schemas.microsoft.com/office/drawing/2014/main" id="{450F5DB4-868C-F9F5-7BD9-084E105E3B6C}"/>
+              </a:ext>
+            </a:extLst>
+          </p:cNvPr>
+          <p:cNvPicPr>
+            <a:picLocks noChangeAspect="1" noChangeArrowheads="1"/>
+          </p:cNvPicPr>
+          <p:nvPr/>
+        </p:nvPicPr>
+        <p:blipFill>
+          <a:blip r:embed="rId3">
+            <a:extLst>
+              <a:ext uri="{28A0092B-C50C-407E-A947-70E740481C1C}">
+                <a14:useLocalDpi xmlns:a14="http://schemas.microsoft.com/office/drawing/2010/main" val="0"/>
+              </a:ext>
+            </a:extLst>
+          </a:blip>
+          <a:stretch>
+            <a:fillRect/>
+          </a:stretch>
+        </p:blipFill>
+        <p:spPr bwMode="auto">
+          <a:xfrm>
+            <a:off x="1917167" y="2651632"/>
+            <a:ext cx="1981555" cy="1585244"/>
+          </a:xfrm>
+          <a:prstGeom prst="rect">
+            <a:avLst/>
+          </a:prstGeom>
+          <a:noFill/>
+          <a:extLst>
+            <a:ext uri="{909E8E84-426E-40DD-AFC4-6F175D3DCCD1}">
+              <a14:hiddenFill xmlns:a14="http://schemas.microsoft.com/office/drawing/2010/main">
+                <a:solidFill>
+                  <a:srgbClr val="FFFFFF"/>
+                </a:solidFill>
+              </a14:hiddenFill>
+            </a:ext>
+          </a:extLst>
+        </p:spPr>
+      </p:pic>
+      <p:pic>
+        <p:nvPicPr>
+          <p:cNvPr id="1036" name="Picture 12">
+            <a:extLst>
+              <a:ext uri="{FF2B5EF4-FFF2-40B4-BE49-F238E27FC236}">
+                <a16:creationId xmlns:a16="http://schemas.microsoft.com/office/drawing/2014/main" id="{84F60191-063F-62A4-517C-2391866A1209}"/>
+              </a:ext>
+            </a:extLst>
+          </p:cNvPr>
+          <p:cNvPicPr>
+            <a:picLocks noChangeAspect="1" noChangeArrowheads="1"/>
+          </p:cNvPicPr>
+          <p:nvPr/>
+        </p:nvPicPr>
+        <p:blipFill>
+          <a:blip r:embed="rId4">
+            <a:extLst>
+              <a:ext uri="{28A0092B-C50C-407E-A947-70E740481C1C}">
+                <a14:useLocalDpi xmlns:a14="http://schemas.microsoft.com/office/drawing/2010/main" val="0"/>
+              </a:ext>
+            </a:extLst>
+          </a:blip>
+          <a:stretch>
+            <a:fillRect/>
+          </a:stretch>
+        </p:blipFill>
+        <p:spPr bwMode="auto">
+          <a:xfrm>
+            <a:off x="1419158" y="4445998"/>
+            <a:ext cx="2975263" cy="1501155"/>
+          </a:xfrm>
+          <a:prstGeom prst="rect">
+            <a:avLst/>
+          </a:prstGeom>
+          <a:noFill/>
+          <a:extLst>
+            <a:ext uri="{909E8E84-426E-40DD-AFC4-6F175D3DCCD1}">
+              <a14:hiddenFill xmlns:a14="http://schemas.microsoft.com/office/drawing/2010/main">
+                <a:solidFill>
+                  <a:srgbClr val="FFFFFF"/>
+                </a:solidFill>
+              </a14:hiddenFill>
+            </a:ext>
+          </a:extLst>
+        </p:spPr>
+      </p:pic>
       <p:sp>
         <p:nvSpPr>
           <p:cNvPr id="3" name="Inhaltsplatzhalter 2">
@@ -5750,9 +5968,16 @@
             <p:ph idx="1"/>
           </p:nvPr>
         </p:nvSpPr>
-        <p:spPr/>
-        <p:txBody>
-          <a:bodyPr/>
+        <p:spPr>
+          <a:xfrm>
+            <a:off x="5250873" y="2332026"/>
+            <a:ext cx="5798126" cy="3840174"/>
+          </a:xfrm>
+        </p:spPr>
+        <p:txBody>
+          <a:bodyPr>
+            <a:normAutofit/>
+          </a:bodyPr>
           <a:lstStyle/>
           <a:p>
             <a:r>
@@ -5774,6 +5999,57 @@
               <a:t>GoogleBooks</a:t>
             </a:r>
             <a:endParaRPr lang="de-DE" dirty="0"/>
+          </a:p>
+          <a:p>
+            <a:r>
+              <a:rPr lang="de-DE" dirty="0"/>
+              <a:t>New York Times API</a:t>
+            </a:r>
+          </a:p>
+        </p:txBody>
+      </p:sp>
+      <p:sp>
+        <p:nvSpPr>
+          <p:cNvPr id="4" name="AutoShape 6" descr="IMDb - Wikipedia">
+            <a:extLst>
+              <a:ext uri="{FF2B5EF4-FFF2-40B4-BE49-F238E27FC236}">
+                <a16:creationId xmlns:a16="http://schemas.microsoft.com/office/drawing/2014/main" id="{D3128B24-A21D-87E2-DC0C-52CC69E6580C}"/>
+              </a:ext>
+            </a:extLst>
+          </p:cNvPr>
+          <p:cNvSpPr>
+            <a:spLocks noChangeAspect="1" noChangeArrowheads="1"/>
+          </p:cNvSpPr>
+          <p:nvPr/>
+        </p:nvSpPr>
+        <p:spPr bwMode="auto">
+          <a:xfrm>
+            <a:off x="5943600" y="3276600"/>
+            <a:ext cx="304800" cy="304800"/>
+          </a:xfrm>
+          <a:prstGeom prst="rect">
+            <a:avLst/>
+          </a:prstGeom>
+          <a:noFill/>
+          <a:extLst>
+            <a:ext uri="{909E8E84-426E-40DD-AFC4-6F175D3DCCD1}">
+              <a14:hiddenFill xmlns:a14="http://schemas.microsoft.com/office/drawing/2010/main">
+                <a:solidFill>
+                  <a:srgbClr val="FFFFFF"/>
+                </a:solidFill>
+              </a14:hiddenFill>
+            </a:ext>
+          </a:extLst>
+        </p:spPr>
+        <p:txBody>
+          <a:bodyPr vert="horz" wrap="square" lIns="91440" tIns="45720" rIns="91440" bIns="45720" numCol="1" anchor="t" anchorCtr="0" compatLnSpc="1">
+            <a:prstTxWarp prst="textNoShape">
+              <a:avLst/>
+            </a:prstTxWarp>
+          </a:bodyPr>
+          <a:lstStyle/>
+          <a:p>
+            <a:endParaRPr lang="de-AT"/>
           </a:p>
         </p:txBody>
       </p:sp>
